--- a/Edu_presentation.pptx
+++ b/Edu_presentation.pptx
@@ -235,7 +235,7 @@
           <a:p>
             <a:fld id="{8127E515-F5DA-47BC-809A-FBA4F21653F2}" type="datetimeFigureOut">
               <a:rPr lang="ru-RU" smtClean="0"/>
-              <a:t>08.12.2025</a:t>
+              <a:t>09.12.2025</a:t>
             </a:fld>
             <a:endParaRPr lang="ru-RU"/>
           </a:p>
@@ -901,7 +901,7 @@
           <a:p>
             <a:fld id="{39D0E2A1-32CF-4D81-9B69-5F14F2DA837F}" type="datetimeFigureOut">
               <a:rPr lang="ru-RU" smtClean="0"/>
-              <a:t>08.12.2025</a:t>
+              <a:t>09.12.2025</a:t>
             </a:fld>
             <a:endParaRPr lang="ru-RU"/>
           </a:p>
@@ -1173,7 +1173,7 @@
           <a:p>
             <a:fld id="{39D0E2A1-32CF-4D81-9B69-5F14F2DA837F}" type="datetimeFigureOut">
               <a:rPr lang="ru-RU" smtClean="0"/>
-              <a:t>08.12.2025</a:t>
+              <a:t>09.12.2025</a:t>
             </a:fld>
             <a:endParaRPr lang="ru-RU" dirty="0"/>
           </a:p>
@@ -5089,10 +5089,10 @@
         </p:nvGrpSpPr>
         <p:grpSpPr>
           <a:xfrm>
-            <a:off x="449217" y="2376822"/>
-            <a:ext cx="11419601" cy="3363577"/>
-            <a:chOff x="406390" y="2553582"/>
-            <a:chExt cx="7543163" cy="2221795"/>
+            <a:off x="-803312" y="2400648"/>
+            <a:ext cx="12672130" cy="3339751"/>
+            <a:chOff x="-420962" y="2569320"/>
+            <a:chExt cx="8370515" cy="2206057"/>
           </a:xfrm>
         </p:grpSpPr>
         <p:sp>
@@ -5222,8 +5222,8 @@
           </p:nvSpPr>
           <p:spPr>
             <a:xfrm>
-              <a:off x="694024" y="2553582"/>
-              <a:ext cx="3589447" cy="872262"/>
+              <a:off x="-420962" y="2586686"/>
+              <a:ext cx="5830037" cy="467591"/>
             </a:xfrm>
             <a:prstGeom prst="rect">
               <a:avLst/>
@@ -5238,12 +5238,12 @@
             <a:p>
               <a:pPr algn="ctr"/>
               <a:r>
-                <a:rPr lang="ru-RU" sz="6000" dirty="0">
+                <a:rPr lang="ru-RU" sz="4000" dirty="0">
                   <a:solidFill>
                     <a:schemeClr val="bg1"/>
                   </a:solidFill>
                 </a:rPr>
-                <a:t>СЕРВЕР</a:t>
+                <a:t>СЕРВЕР ВИРТУАЛИЗАЦИИ</a:t>
               </a:r>
             </a:p>
           </p:txBody>
@@ -5300,9 +5300,21 @@
             <a:p>
               <a:pPr algn="ctr"/>
               <a:r>
+                <a:rPr lang="ru-RU" sz="2400" dirty="0"/>
+                <a:t>Виртуальный выделенный сервер</a:t>
+              </a:r>
+              <a:br>
+                <a:rPr lang="en-US" sz="4000" dirty="0"/>
+              </a:br>
+              <a:r>
                 <a:rPr lang="ru-RU" sz="4000" dirty="0"/>
-                <a:t>БАЗА ДАННЫХ</a:t>
+                <a:t>Сервер СУБД </a:t>
               </a:r>
+              <a:r>
+                <a:rPr lang="en-US" sz="4000" dirty="0"/>
+                <a:t>MySQL</a:t>
+              </a:r>
+              <a:endParaRPr lang="ru-RU" sz="4000" dirty="0"/>
             </a:p>
           </p:txBody>
         </p:sp>
@@ -5407,6 +5419,279 @@
               <a:latin typeface="Verdana" panose="020B0604030504040204" pitchFamily="34" charset="0"/>
               <a:ea typeface="Verdana" panose="020B0604030504040204" pitchFamily="34" charset="0"/>
             </a:endParaRPr>
+          </a:p>
+        </p:txBody>
+      </p:sp>
+      <p:sp>
+        <p:nvSpPr>
+          <p:cNvPr id="5" name="TextBox 4">
+            <a:extLst>
+              <a:ext uri="{FF2B5EF4-FFF2-40B4-BE49-F238E27FC236}">
+                <a16:creationId xmlns:a16="http://schemas.microsoft.com/office/drawing/2014/main" id="{F79AA4B6-267C-45C8-9874-6227779D8103}"/>
+              </a:ext>
+            </a:extLst>
+          </p:cNvPr>
+          <p:cNvSpPr txBox="1"/>
+          <p:nvPr/>
+        </p:nvSpPr>
+        <p:spPr>
+          <a:xfrm>
+            <a:off x="6610851" y="4161359"/>
+            <a:ext cx="1583033" cy="369332"/>
+          </a:xfrm>
+          <a:prstGeom prst="rect">
+            <a:avLst/>
+          </a:prstGeom>
+          <a:noFill/>
+        </p:spPr>
+        <p:txBody>
+          <a:bodyPr wrap="square" rtlCol="0">
+            <a:spAutoFit/>
+          </a:bodyPr>
+          <a:lstStyle/>
+          <a:p>
+            <a:r>
+              <a:rPr lang="ru-RU" dirty="0">
+                <a:solidFill>
+                  <a:schemeClr val="bg1"/>
+                </a:solidFill>
+                <a:latin typeface="Verdana" panose="020B0604030504040204" pitchFamily="34" charset="0"/>
+                <a:ea typeface="Verdana" panose="020B0604030504040204" pitchFamily="34" charset="0"/>
+              </a:rPr>
+              <a:t>63307</a:t>
+            </a:r>
+            <a:r>
+              <a:rPr lang="en-US" dirty="0">
+                <a:solidFill>
+                  <a:schemeClr val="bg1"/>
+                </a:solidFill>
+                <a:latin typeface="Verdana" panose="020B0604030504040204" pitchFamily="34" charset="0"/>
+                <a:ea typeface="Verdana" panose="020B0604030504040204" pitchFamily="34" charset="0"/>
+              </a:rPr>
+              <a:t>/</a:t>
+            </a:r>
+            <a:r>
+              <a:rPr lang="en-US" dirty="0" err="1">
+                <a:solidFill>
+                  <a:schemeClr val="bg1"/>
+                </a:solidFill>
+                <a:latin typeface="Verdana" panose="020B0604030504040204" pitchFamily="34" charset="0"/>
+                <a:ea typeface="Verdana" panose="020B0604030504040204" pitchFamily="34" charset="0"/>
+              </a:rPr>
+              <a:t>tcp</a:t>
+            </a:r>
+            <a:endParaRPr lang="ru-RU" dirty="0">
+              <a:solidFill>
+                <a:schemeClr val="bg1"/>
+              </a:solidFill>
+              <a:latin typeface="Verdana" panose="020B0604030504040204" pitchFamily="34" charset="0"/>
+              <a:ea typeface="Verdana" panose="020B0604030504040204" pitchFamily="34" charset="0"/>
+            </a:endParaRPr>
+          </a:p>
+        </p:txBody>
+      </p:sp>
+      <p:sp>
+        <p:nvSpPr>
+          <p:cNvPr id="14" name="TextBox 13">
+            <a:extLst>
+              <a:ext uri="{FF2B5EF4-FFF2-40B4-BE49-F238E27FC236}">
+                <a16:creationId xmlns:a16="http://schemas.microsoft.com/office/drawing/2014/main" id="{05391C4B-0CAA-4AEC-AA3D-03FE19959F59}"/>
+              </a:ext>
+            </a:extLst>
+          </p:cNvPr>
+          <p:cNvSpPr txBox="1"/>
+          <p:nvPr/>
+        </p:nvSpPr>
+        <p:spPr>
+          <a:xfrm>
+            <a:off x="-559022" y="3063316"/>
+            <a:ext cx="8155457" cy="461665"/>
+          </a:xfrm>
+          <a:prstGeom prst="rect">
+            <a:avLst/>
+          </a:prstGeom>
+          <a:noFill/>
+        </p:spPr>
+        <p:txBody>
+          <a:bodyPr wrap="square" rtlCol="0">
+            <a:spAutoFit/>
+          </a:bodyPr>
+          <a:lstStyle/>
+          <a:p>
+            <a:pPr algn="ctr"/>
+            <a:r>
+              <a:rPr lang="en-US" sz="2400" dirty="0" err="1">
+                <a:solidFill>
+                  <a:schemeClr val="bg1"/>
+                </a:solidFill>
+              </a:rPr>
+              <a:t>Proxmox</a:t>
+            </a:r>
+            <a:r>
+              <a:rPr lang="en-US" sz="2400" dirty="0">
+                <a:solidFill>
+                  <a:schemeClr val="bg1"/>
+                </a:solidFill>
+              </a:rPr>
+              <a:t> Virtual </a:t>
+            </a:r>
+            <a:r>
+              <a:rPr lang="en-US" sz="2400" dirty="0" err="1">
+                <a:solidFill>
+                  <a:schemeClr val="bg1"/>
+                </a:solidFill>
+              </a:rPr>
+              <a:t>Enviroment</a:t>
+            </a:r>
+            <a:endParaRPr lang="ru-RU" sz="2400" dirty="0">
+              <a:solidFill>
+                <a:schemeClr val="bg1"/>
+              </a:solidFill>
+            </a:endParaRPr>
+          </a:p>
+        </p:txBody>
+      </p:sp>
+      <p:sp>
+        <p:nvSpPr>
+          <p:cNvPr id="9" name="TextBox 8">
+            <a:extLst>
+              <a:ext uri="{FF2B5EF4-FFF2-40B4-BE49-F238E27FC236}">
+                <a16:creationId xmlns:a16="http://schemas.microsoft.com/office/drawing/2014/main" id="{B1BCBF1B-53EF-450C-B5CA-0A8A55068352}"/>
+              </a:ext>
+            </a:extLst>
+          </p:cNvPr>
+          <p:cNvSpPr txBox="1"/>
+          <p:nvPr/>
+        </p:nvSpPr>
+        <p:spPr>
+          <a:xfrm>
+            <a:off x="-4702629" y="-1712686"/>
+            <a:ext cx="4143607" cy="6740307"/>
+          </a:xfrm>
+          <a:prstGeom prst="rect">
+            <a:avLst/>
+          </a:prstGeom>
+          <a:noFill/>
+        </p:spPr>
+        <p:txBody>
+          <a:bodyPr wrap="square" rtlCol="0">
+            <a:spAutoFit/>
+          </a:bodyPr>
+          <a:lstStyle/>
+          <a:p>
+            <a:r>
+              <a:rPr lang="ru-RU" dirty="0"/>
+              <a:t>Серверная часть реализована в виде СУБД </a:t>
+            </a:r>
+            <a:r>
+              <a:rPr lang="en-US" dirty="0" err="1"/>
+              <a:t>MySql</a:t>
+            </a:r>
+            <a:r>
+              <a:rPr lang="ru-RU" dirty="0"/>
+              <a:t>, развернутой на  виртуальном выделенном сервере в кластере (кластер несколько устройств в одном которые выполняют одну задачу) </a:t>
+            </a:r>
+            <a:r>
+              <a:rPr lang="en-US" dirty="0" err="1"/>
+              <a:t>Proxmox</a:t>
+            </a:r>
+            <a:r>
+              <a:rPr lang="en-US" dirty="0"/>
+              <a:t> (</a:t>
+            </a:r>
+            <a:r>
+              <a:rPr lang="ru-RU" dirty="0"/>
+              <a:t>система виртуализации с открытым исходным кодом распространяется по открытой лицензии </a:t>
+            </a:r>
+            <a:r>
+              <a:rPr lang="en-US" dirty="0"/>
+              <a:t>GNU AGPLv3</a:t>
+            </a:r>
+            <a:r>
+              <a:rPr lang="ru-RU" dirty="0"/>
+              <a:t> которая позволяет использовать ее в коммерческих целях без покупки лицензии</a:t>
+            </a:r>
+            <a:r>
+              <a:rPr lang="en-US" dirty="0"/>
+              <a:t>)</a:t>
+            </a:r>
+            <a:r>
+              <a:rPr lang="ru-RU" dirty="0"/>
+              <a:t>.</a:t>
+            </a:r>
+            <a:br>
+              <a:rPr lang="en-US" dirty="0"/>
+            </a:br>
+            <a:br>
+              <a:rPr lang="en-US" dirty="0"/>
+            </a:br>
+            <a:r>
+              <a:rPr lang="ru-RU" dirty="0"/>
+              <a:t>Бесплатно и открытый код</a:t>
+            </a:r>
+            <a:br>
+              <a:rPr lang="ru-RU" dirty="0"/>
+            </a:br>
+            <a:br>
+              <a:rPr lang="ru-RU" dirty="0"/>
+            </a:br>
+            <a:r>
+              <a:rPr lang="ru-RU" dirty="0"/>
+              <a:t>клиентское часть представляет собой десктопное приложение</a:t>
+            </a:r>
+            <a:r>
+              <a:rPr lang="en-US" dirty="0"/>
+              <a:t> </a:t>
+            </a:r>
+            <a:r>
+              <a:rPr lang="ru-RU" dirty="0"/>
+              <a:t>на </a:t>
+            </a:r>
+            <a:r>
+              <a:rPr lang="en-US" dirty="0" err="1"/>
+              <a:t>wpf</a:t>
+            </a:r>
+            <a:r>
+              <a:rPr lang="en-US" dirty="0"/>
+              <a:t> </a:t>
+            </a:r>
+            <a:r>
+              <a:rPr lang="en-US" dirty="0" err="1"/>
+              <a:t>c#</a:t>
+            </a:r>
+            <a:br>
+              <a:rPr lang="ru-RU" dirty="0"/>
+            </a:br>
+            <a:br>
+              <a:rPr lang="ru-RU" dirty="0"/>
+            </a:br>
+            <a:r>
+              <a:rPr lang="ru-RU" dirty="0"/>
+              <a:t>серверная часть представлена СУБД </a:t>
+            </a:r>
+            <a:r>
+              <a:rPr lang="en-US" dirty="0"/>
+              <a:t>MySQL </a:t>
+            </a:r>
+            <a:r>
+              <a:rPr lang="ru-RU" dirty="0"/>
+              <a:t>которая развернута на виртуальной машине внутри системы виртуализации </a:t>
+            </a:r>
+            <a:r>
+              <a:rPr lang="en-US" dirty="0" err="1"/>
+              <a:t>Proxmox</a:t>
+            </a:r>
+            <a:br>
+              <a:rPr lang="en-US" dirty="0"/>
+            </a:br>
+            <a:endParaRPr lang="en-US" dirty="0"/>
+          </a:p>
+          <a:p>
+            <a:r>
+              <a:rPr lang="en-US" dirty="0"/>
+              <a:t>Oracle </a:t>
+            </a:r>
+            <a:endParaRPr lang="ru-RU" dirty="0"/>
           </a:p>
         </p:txBody>
       </p:sp>

--- a/Edu_presentation.pptx
+++ b/Edu_presentation.pptx
@@ -5,7 +5,7 @@
     <p:sldMasterId id="2147483648" r:id="rId1"/>
   </p:sldMasterIdLst>
   <p:notesMasterIdLst>
-    <p:notesMasterId r:id="rId12"/>
+    <p:notesMasterId r:id="rId13"/>
   </p:notesMasterIdLst>
   <p:sldIdLst>
     <p:sldId id="256" r:id="rId2"/>
@@ -14,10 +14,11 @@
     <p:sldId id="261" r:id="rId5"/>
     <p:sldId id="262" r:id="rId6"/>
     <p:sldId id="263" r:id="rId7"/>
-    <p:sldId id="265" r:id="rId8"/>
-    <p:sldId id="266" r:id="rId9"/>
-    <p:sldId id="267" r:id="rId10"/>
-    <p:sldId id="264" r:id="rId11"/>
+    <p:sldId id="268" r:id="rId8"/>
+    <p:sldId id="265" r:id="rId9"/>
+    <p:sldId id="266" r:id="rId10"/>
+    <p:sldId id="267" r:id="rId11"/>
+    <p:sldId id="264" r:id="rId12"/>
   </p:sldIdLst>
   <p:sldSz cx="12192000" cy="6858000"/>
   <p:notesSz cx="6858000" cy="9144000"/>
@@ -127,6 +128,7 @@
             <p14:sldId id="261"/>
             <p14:sldId id="262"/>
             <p14:sldId id="263"/>
+            <p14:sldId id="268"/>
             <p14:sldId id="265"/>
             <p14:sldId id="266"/>
             <p14:sldId id="267"/>
@@ -137,7 +139,7 @@
     </p:ext>
     <p:ext uri="{EFAFB233-063F-42B5-8137-9DF3F51BA10A}">
       <p15:sldGuideLst xmlns:p15="http://schemas.microsoft.com/office/powerpoint/2012/main">
-        <p15:guide id="1" orient="horz" pos="2137" userDrawn="1">
+        <p15:guide id="1" orient="horz" pos="2273" userDrawn="1">
           <p15:clr>
             <a:srgbClr val="A4A3A4"/>
           </p15:clr>
@@ -235,7 +237,7 @@
           <a:p>
             <a:fld id="{8127E515-F5DA-47BC-809A-FBA4F21653F2}" type="datetimeFigureOut">
               <a:rPr lang="ru-RU" smtClean="0"/>
-              <a:t>09.12.2025</a:t>
+              <a:t>10.12.2025</a:t>
             </a:fld>
             <a:endParaRPr lang="ru-RU"/>
           </a:p>
@@ -567,7 +569,7 @@
           <a:p>
             <a:fld id="{4DF54CE1-BA50-4EDA-A910-52864C068BE1}" type="slidenum">
               <a:rPr lang="ru-RU" smtClean="0"/>
-              <a:t>6</a:t>
+              <a:t>5</a:t>
             </a:fld>
             <a:endParaRPr lang="ru-RU"/>
           </a:p>
@@ -576,7 +578,7 @@
     </p:spTree>
     <p:extLst>
       <p:ext uri="{BB962C8B-B14F-4D97-AF65-F5344CB8AC3E}">
-        <p14:creationId xmlns:p14="http://schemas.microsoft.com/office/powerpoint/2010/main" val="356797325"/>
+        <p14:creationId xmlns:p14="http://schemas.microsoft.com/office/powerpoint/2010/main" val="1624293199"/>
       </p:ext>
     </p:extLst>
   </p:cSld>
@@ -651,7 +653,7 @@
           <a:p>
             <a:fld id="{4DF54CE1-BA50-4EDA-A910-52864C068BE1}" type="slidenum">
               <a:rPr lang="ru-RU" smtClean="0"/>
-              <a:t>7</a:t>
+              <a:t>6</a:t>
             </a:fld>
             <a:endParaRPr lang="ru-RU"/>
           </a:p>
@@ -660,7 +662,7 @@
     </p:spTree>
     <p:extLst>
       <p:ext uri="{BB962C8B-B14F-4D97-AF65-F5344CB8AC3E}">
-        <p14:creationId xmlns:p14="http://schemas.microsoft.com/office/powerpoint/2010/main" val="401705000"/>
+        <p14:creationId xmlns:p14="http://schemas.microsoft.com/office/powerpoint/2010/main" val="356797325"/>
       </p:ext>
     </p:extLst>
   </p:cSld>
@@ -735,7 +737,259 @@
           <a:p>
             <a:fld id="{4DF54CE1-BA50-4EDA-A910-52864C068BE1}" type="slidenum">
               <a:rPr lang="ru-RU" smtClean="0"/>
+              <a:t>7</a:t>
+            </a:fld>
+            <a:endParaRPr lang="ru-RU"/>
+          </a:p>
+        </p:txBody>
+      </p:sp>
+    </p:spTree>
+    <p:extLst>
+      <p:ext uri="{BB962C8B-B14F-4D97-AF65-F5344CB8AC3E}">
+        <p14:creationId xmlns:p14="http://schemas.microsoft.com/office/powerpoint/2010/main" val="2151375987"/>
+      </p:ext>
+    </p:extLst>
+  </p:cSld>
+  <p:clrMapOvr>
+    <a:masterClrMapping/>
+  </p:clrMapOvr>
+</p:notes>
+</file>
+
+<file path=ppt/notesSlides/notesSlide4.xml><?xml version="1.0" encoding="utf-8"?>
+<p:notes xmlns:a="http://schemas.openxmlformats.org/drawingml/2006/main" xmlns:r="http://schemas.openxmlformats.org/officeDocument/2006/relationships" xmlns:p="http://schemas.openxmlformats.org/presentationml/2006/main">
+  <p:cSld>
+    <p:spTree>
+      <p:nvGrpSpPr>
+        <p:cNvPr id="1" name=""/>
+        <p:cNvGrpSpPr/>
+        <p:nvPr/>
+      </p:nvGrpSpPr>
+      <p:grpSpPr>
+        <a:xfrm>
+          <a:off x="0" y="0"/>
+          <a:ext cx="0" cy="0"/>
+          <a:chOff x="0" y="0"/>
+          <a:chExt cx="0" cy="0"/>
+        </a:xfrm>
+      </p:grpSpPr>
+      <p:sp>
+        <p:nvSpPr>
+          <p:cNvPr id="2" name="Образ слайда 1"/>
+          <p:cNvSpPr>
+            <a:spLocks noGrp="1" noRot="1" noChangeAspect="1"/>
+          </p:cNvSpPr>
+          <p:nvPr>
+            <p:ph type="sldImg"/>
+          </p:nvPr>
+        </p:nvSpPr>
+        <p:spPr/>
+      </p:sp>
+      <p:sp>
+        <p:nvSpPr>
+          <p:cNvPr id="3" name="Заметки 2"/>
+          <p:cNvSpPr>
+            <a:spLocks noGrp="1"/>
+          </p:cNvSpPr>
+          <p:nvPr>
+            <p:ph type="body" idx="1"/>
+          </p:nvPr>
+        </p:nvSpPr>
+        <p:spPr/>
+        <p:txBody>
+          <a:bodyPr/>
+          <a:lstStyle/>
+          <a:p>
+            <a:endParaRPr lang="ru-RU" dirty="0"/>
+          </a:p>
+        </p:txBody>
+      </p:sp>
+      <p:sp>
+        <p:nvSpPr>
+          <p:cNvPr id="4" name="Номер слайда 3"/>
+          <p:cNvSpPr>
+            <a:spLocks noGrp="1"/>
+          </p:cNvSpPr>
+          <p:nvPr>
+            <p:ph type="sldNum" sz="quarter" idx="5"/>
+          </p:nvPr>
+        </p:nvSpPr>
+        <p:spPr/>
+        <p:txBody>
+          <a:bodyPr/>
+          <a:lstStyle/>
+          <a:p>
+            <a:fld id="{4DF54CE1-BA50-4EDA-A910-52864C068BE1}" type="slidenum">
+              <a:rPr lang="ru-RU" smtClean="0"/>
+              <a:t>8</a:t>
+            </a:fld>
+            <a:endParaRPr lang="ru-RU"/>
+          </a:p>
+        </p:txBody>
+      </p:sp>
+    </p:spTree>
+    <p:extLst>
+      <p:ext uri="{BB962C8B-B14F-4D97-AF65-F5344CB8AC3E}">
+        <p14:creationId xmlns:p14="http://schemas.microsoft.com/office/powerpoint/2010/main" val="401705000"/>
+      </p:ext>
+    </p:extLst>
+  </p:cSld>
+  <p:clrMapOvr>
+    <a:masterClrMapping/>
+  </p:clrMapOvr>
+</p:notes>
+</file>
+
+<file path=ppt/notesSlides/notesSlide5.xml><?xml version="1.0" encoding="utf-8"?>
+<p:notes xmlns:a="http://schemas.openxmlformats.org/drawingml/2006/main" xmlns:r="http://schemas.openxmlformats.org/officeDocument/2006/relationships" xmlns:p="http://schemas.openxmlformats.org/presentationml/2006/main">
+  <p:cSld>
+    <p:spTree>
+      <p:nvGrpSpPr>
+        <p:cNvPr id="1" name=""/>
+        <p:cNvGrpSpPr/>
+        <p:nvPr/>
+      </p:nvGrpSpPr>
+      <p:grpSpPr>
+        <a:xfrm>
+          <a:off x="0" y="0"/>
+          <a:ext cx="0" cy="0"/>
+          <a:chOff x="0" y="0"/>
+          <a:chExt cx="0" cy="0"/>
+        </a:xfrm>
+      </p:grpSpPr>
+      <p:sp>
+        <p:nvSpPr>
+          <p:cNvPr id="2" name="Образ слайда 1"/>
+          <p:cNvSpPr>
+            <a:spLocks noGrp="1" noRot="1" noChangeAspect="1"/>
+          </p:cNvSpPr>
+          <p:nvPr>
+            <p:ph type="sldImg"/>
+          </p:nvPr>
+        </p:nvSpPr>
+        <p:spPr/>
+      </p:sp>
+      <p:sp>
+        <p:nvSpPr>
+          <p:cNvPr id="3" name="Заметки 2"/>
+          <p:cNvSpPr>
+            <a:spLocks noGrp="1"/>
+          </p:cNvSpPr>
+          <p:nvPr>
+            <p:ph type="body" idx="1"/>
+          </p:nvPr>
+        </p:nvSpPr>
+        <p:spPr/>
+        <p:txBody>
+          <a:bodyPr/>
+          <a:lstStyle/>
+          <a:p>
+            <a:endParaRPr lang="ru-RU" dirty="0"/>
+          </a:p>
+        </p:txBody>
+      </p:sp>
+      <p:sp>
+        <p:nvSpPr>
+          <p:cNvPr id="4" name="Номер слайда 3"/>
+          <p:cNvSpPr>
+            <a:spLocks noGrp="1"/>
+          </p:cNvSpPr>
+          <p:nvPr>
+            <p:ph type="sldNum" sz="quarter" idx="5"/>
+          </p:nvPr>
+        </p:nvSpPr>
+        <p:spPr/>
+        <p:txBody>
+          <a:bodyPr/>
+          <a:lstStyle/>
+          <a:p>
+            <a:fld id="{4DF54CE1-BA50-4EDA-A910-52864C068BE1}" type="slidenum">
+              <a:rPr lang="ru-RU" smtClean="0"/>
               <a:t>9</a:t>
+            </a:fld>
+            <a:endParaRPr lang="ru-RU"/>
+          </a:p>
+        </p:txBody>
+      </p:sp>
+    </p:spTree>
+    <p:extLst>
+      <p:ext uri="{BB962C8B-B14F-4D97-AF65-F5344CB8AC3E}">
+        <p14:creationId xmlns:p14="http://schemas.microsoft.com/office/powerpoint/2010/main" val="2168299932"/>
+      </p:ext>
+    </p:extLst>
+  </p:cSld>
+  <p:clrMapOvr>
+    <a:masterClrMapping/>
+  </p:clrMapOvr>
+</p:notes>
+</file>
+
+<file path=ppt/notesSlides/notesSlide6.xml><?xml version="1.0" encoding="utf-8"?>
+<p:notes xmlns:a="http://schemas.openxmlformats.org/drawingml/2006/main" xmlns:r="http://schemas.openxmlformats.org/officeDocument/2006/relationships" xmlns:p="http://schemas.openxmlformats.org/presentationml/2006/main">
+  <p:cSld>
+    <p:spTree>
+      <p:nvGrpSpPr>
+        <p:cNvPr id="1" name=""/>
+        <p:cNvGrpSpPr/>
+        <p:nvPr/>
+      </p:nvGrpSpPr>
+      <p:grpSpPr>
+        <a:xfrm>
+          <a:off x="0" y="0"/>
+          <a:ext cx="0" cy="0"/>
+          <a:chOff x="0" y="0"/>
+          <a:chExt cx="0" cy="0"/>
+        </a:xfrm>
+      </p:grpSpPr>
+      <p:sp>
+        <p:nvSpPr>
+          <p:cNvPr id="2" name="Образ слайда 1"/>
+          <p:cNvSpPr>
+            <a:spLocks noGrp="1" noRot="1" noChangeAspect="1"/>
+          </p:cNvSpPr>
+          <p:nvPr>
+            <p:ph type="sldImg"/>
+          </p:nvPr>
+        </p:nvSpPr>
+        <p:spPr/>
+      </p:sp>
+      <p:sp>
+        <p:nvSpPr>
+          <p:cNvPr id="3" name="Заметки 2"/>
+          <p:cNvSpPr>
+            <a:spLocks noGrp="1"/>
+          </p:cNvSpPr>
+          <p:nvPr>
+            <p:ph type="body" idx="1"/>
+          </p:nvPr>
+        </p:nvSpPr>
+        <p:spPr/>
+        <p:txBody>
+          <a:bodyPr/>
+          <a:lstStyle/>
+          <a:p>
+            <a:endParaRPr lang="ru-RU" dirty="0"/>
+          </a:p>
+        </p:txBody>
+      </p:sp>
+      <p:sp>
+        <p:nvSpPr>
+          <p:cNvPr id="4" name="Номер слайда 3"/>
+          <p:cNvSpPr>
+            <a:spLocks noGrp="1"/>
+          </p:cNvSpPr>
+          <p:nvPr>
+            <p:ph type="sldNum" sz="quarter" idx="5"/>
+          </p:nvPr>
+        </p:nvSpPr>
+        <p:spPr/>
+        <p:txBody>
+          <a:bodyPr/>
+          <a:lstStyle/>
+          <a:p>
+            <a:fld id="{4DF54CE1-BA50-4EDA-A910-52864C068BE1}" type="slidenum">
+              <a:rPr lang="ru-RU" smtClean="0"/>
+              <a:t>10</a:t>
             </a:fld>
             <a:endParaRPr lang="ru-RU"/>
           </a:p>
@@ -901,7 +1155,7 @@
           <a:p>
             <a:fld id="{39D0E2A1-32CF-4D81-9B69-5F14F2DA837F}" type="datetimeFigureOut">
               <a:rPr lang="ru-RU" smtClean="0"/>
-              <a:t>09.12.2025</a:t>
+              <a:t>10.12.2025</a:t>
             </a:fld>
             <a:endParaRPr lang="ru-RU"/>
           </a:p>
@@ -1173,7 +1427,7 @@
           <a:p>
             <a:fld id="{39D0E2A1-32CF-4D81-9B69-5F14F2DA837F}" type="datetimeFigureOut">
               <a:rPr lang="ru-RU" smtClean="0"/>
-              <a:t>09.12.2025</a:t>
+              <a:t>10.12.2025</a:t>
             </a:fld>
             <a:endParaRPr lang="ru-RU" dirty="0"/>
           </a:p>
@@ -2122,6 +2376,247 @@
       </p:grpSpPr>
       <p:sp>
         <p:nvSpPr>
+          <p:cNvPr id="4" name="Прямоугольник 3">
+            <a:extLst>
+              <a:ext uri="{FF2B5EF4-FFF2-40B4-BE49-F238E27FC236}">
+                <a16:creationId xmlns:a16="http://schemas.microsoft.com/office/drawing/2014/main" id="{49D86AB7-4336-4DEB-8CB6-0D96926A1059}"/>
+              </a:ext>
+            </a:extLst>
+          </p:cNvPr>
+          <p:cNvSpPr/>
+          <p:nvPr/>
+        </p:nvSpPr>
+        <p:spPr>
+          <a:xfrm>
+            <a:off x="0" y="-1"/>
+            <a:ext cx="12192000" cy="6858001"/>
+          </a:xfrm>
+          <a:prstGeom prst="rect">
+            <a:avLst/>
+          </a:prstGeom>
+          <a:solidFill>
+            <a:srgbClr val="9575CD"/>
+          </a:solidFill>
+          <a:ln>
+            <a:solidFill>
+              <a:srgbClr val="9575CD"/>
+            </a:solidFill>
+          </a:ln>
+        </p:spPr>
+        <p:style>
+          <a:lnRef idx="2">
+            <a:schemeClr val="accent1">
+              <a:shade val="50000"/>
+            </a:schemeClr>
+          </a:lnRef>
+          <a:fillRef idx="1">
+            <a:schemeClr val="accent1"/>
+          </a:fillRef>
+          <a:effectRef idx="0">
+            <a:schemeClr val="accent1"/>
+          </a:effectRef>
+          <a:fontRef idx="minor">
+            <a:schemeClr val="lt1"/>
+          </a:fontRef>
+        </p:style>
+        <p:txBody>
+          <a:bodyPr rtlCol="0" anchor="ctr"/>
+          <a:lstStyle/>
+          <a:p>
+            <a:pPr algn="ctr"/>
+            <a:endParaRPr lang="ru-RU" sz="2000" dirty="0"/>
+          </a:p>
+        </p:txBody>
+      </p:sp>
+      <p:sp>
+        <p:nvSpPr>
+          <p:cNvPr id="2" name="Заголовок 1">
+            <a:extLst>
+              <a:ext uri="{FF2B5EF4-FFF2-40B4-BE49-F238E27FC236}">
+                <a16:creationId xmlns:a16="http://schemas.microsoft.com/office/drawing/2014/main" id="{BAD75180-431E-4561-A675-F52C67D811D3}"/>
+              </a:ext>
+            </a:extLst>
+          </p:cNvPr>
+          <p:cNvSpPr>
+            <a:spLocks noGrp="1"/>
+          </p:cNvSpPr>
+          <p:nvPr>
+            <p:ph type="ctrTitle"/>
+          </p:nvPr>
+        </p:nvSpPr>
+        <p:spPr>
+          <a:xfrm>
+            <a:off x="406393" y="463357"/>
+            <a:ext cx="7531100" cy="859127"/>
+          </a:xfrm>
+        </p:spPr>
+        <p:txBody>
+          <a:bodyPr/>
+          <a:lstStyle/>
+          <a:p>
+            <a:pPr algn="l"/>
+            <a:r>
+              <a:rPr lang="ru-RU" sz="5400" b="1" dirty="0">
+                <a:solidFill>
+                  <a:schemeClr val="bg1"/>
+                </a:solidFill>
+              </a:rPr>
+              <a:t>Заключение</a:t>
+            </a:r>
+          </a:p>
+        </p:txBody>
+      </p:sp>
+      <p:sp>
+        <p:nvSpPr>
+          <p:cNvPr id="9" name="Прямоугольник: скругленные углы 8">
+            <a:extLst>
+              <a:ext uri="{FF2B5EF4-FFF2-40B4-BE49-F238E27FC236}">
+                <a16:creationId xmlns:a16="http://schemas.microsoft.com/office/drawing/2014/main" id="{31EF9177-AA97-4127-9D72-374304CDC67F}"/>
+              </a:ext>
+            </a:extLst>
+          </p:cNvPr>
+          <p:cNvSpPr/>
+          <p:nvPr/>
+        </p:nvSpPr>
+        <p:spPr>
+          <a:xfrm>
+            <a:off x="406392" y="1692324"/>
+            <a:ext cx="11388443" cy="4015749"/>
+          </a:xfrm>
+          <a:prstGeom prst="roundRect">
+            <a:avLst/>
+          </a:prstGeom>
+          <a:solidFill>
+            <a:srgbClr val="9575CD"/>
+          </a:solidFill>
+          <a:ln>
+            <a:solidFill>
+              <a:schemeClr val="bg1"/>
+            </a:solidFill>
+          </a:ln>
+          <a:effectLst/>
+        </p:spPr>
+        <p:style>
+          <a:lnRef idx="2">
+            <a:schemeClr val="accent1">
+              <a:shade val="50000"/>
+            </a:schemeClr>
+          </a:lnRef>
+          <a:fillRef idx="1">
+            <a:schemeClr val="accent1"/>
+          </a:fillRef>
+          <a:effectRef idx="0">
+            <a:schemeClr val="accent1"/>
+          </a:effectRef>
+          <a:fontRef idx="minor">
+            <a:schemeClr val="lt1"/>
+          </a:fontRef>
+        </p:style>
+        <p:txBody>
+          <a:bodyPr rtlCol="0" anchor="ctr"/>
+          <a:lstStyle/>
+          <a:p>
+            <a:pPr algn="ctr"/>
+            <a:r>
+              <a:rPr lang="ru-RU" sz="4000" dirty="0">
+                <a:latin typeface="Verdana" panose="020B0604030504040204" pitchFamily="34" charset="0"/>
+                <a:ea typeface="Verdana" panose="020B0604030504040204" pitchFamily="34" charset="0"/>
+              </a:rPr>
+              <a:t>ПОСТАВЛЕННАЯ ЦЕЛЬ И ВСЕ КОМПЕТЕНЦИИ ЗАКРЫТЫ</a:t>
+            </a:r>
+          </a:p>
+        </p:txBody>
+      </p:sp>
+      <p:sp>
+        <p:nvSpPr>
+          <p:cNvPr id="10" name="TextBox 9">
+            <a:extLst>
+              <a:ext uri="{FF2B5EF4-FFF2-40B4-BE49-F238E27FC236}">
+                <a16:creationId xmlns:a16="http://schemas.microsoft.com/office/drawing/2014/main" id="{A685F654-1002-43A1-BC6A-6C57BBB5B8C2}"/>
+              </a:ext>
+            </a:extLst>
+          </p:cNvPr>
+          <p:cNvSpPr txBox="1"/>
+          <p:nvPr/>
+        </p:nvSpPr>
+        <p:spPr>
+          <a:xfrm>
+            <a:off x="11179278" y="6211669"/>
+            <a:ext cx="1012722" cy="646331"/>
+          </a:xfrm>
+          <a:prstGeom prst="rect">
+            <a:avLst/>
+          </a:prstGeom>
+          <a:noFill/>
+        </p:spPr>
+        <p:txBody>
+          <a:bodyPr wrap="square" rtlCol="0">
+            <a:spAutoFit/>
+          </a:bodyPr>
+          <a:lstStyle/>
+          <a:p>
+            <a:r>
+              <a:rPr lang="ru-RU" sz="3600" dirty="0">
+                <a:solidFill>
+                  <a:schemeClr val="bg1"/>
+                </a:solidFill>
+                <a:latin typeface="Verdana" panose="020B0604030504040204" pitchFamily="34" charset="0"/>
+                <a:ea typeface="Verdana" panose="020B0604030504040204" pitchFamily="34" charset="0"/>
+              </a:rPr>
+              <a:t>9</a:t>
+            </a:r>
+            <a:r>
+              <a:rPr lang="en-US" sz="3600" dirty="0">
+                <a:solidFill>
+                  <a:schemeClr val="bg1"/>
+                </a:solidFill>
+                <a:latin typeface="Verdana" panose="020B0604030504040204" pitchFamily="34" charset="0"/>
+                <a:ea typeface="Verdana" panose="020B0604030504040204" pitchFamily="34" charset="0"/>
+              </a:rPr>
+              <a:t>/9</a:t>
+            </a:r>
+            <a:endParaRPr lang="ru-RU" sz="3600" dirty="0">
+              <a:solidFill>
+                <a:schemeClr val="bg1"/>
+              </a:solidFill>
+              <a:latin typeface="Verdana" panose="020B0604030504040204" pitchFamily="34" charset="0"/>
+              <a:ea typeface="Verdana" panose="020B0604030504040204" pitchFamily="34" charset="0"/>
+            </a:endParaRPr>
+          </a:p>
+        </p:txBody>
+      </p:sp>
+    </p:spTree>
+    <p:extLst>
+      <p:ext uri="{BB962C8B-B14F-4D97-AF65-F5344CB8AC3E}">
+        <p14:creationId xmlns:p14="http://schemas.microsoft.com/office/powerpoint/2010/main" val="2210782348"/>
+      </p:ext>
+    </p:extLst>
+  </p:cSld>
+  <p:clrMapOvr>
+    <a:masterClrMapping/>
+  </p:clrMapOvr>
+</p:sld>
+</file>
+
+<file path=ppt/slides/slide11.xml><?xml version="1.0" encoding="utf-8"?>
+<p:sld xmlns:a="http://schemas.openxmlformats.org/drawingml/2006/main" xmlns:r="http://schemas.openxmlformats.org/officeDocument/2006/relationships" xmlns:p="http://schemas.openxmlformats.org/presentationml/2006/main">
+  <p:cSld>
+    <p:spTree>
+      <p:nvGrpSpPr>
+        <p:cNvPr id="1" name=""/>
+        <p:cNvGrpSpPr/>
+        <p:nvPr/>
+      </p:nvGrpSpPr>
+      <p:grpSpPr>
+        <a:xfrm>
+          <a:off x="0" y="0"/>
+          <a:ext cx="0" cy="0"/>
+          <a:chOff x="0" y="0"/>
+          <a:chExt cx="0" cy="0"/>
+        </a:xfrm>
+      </p:grpSpPr>
+      <p:sp>
+        <p:nvSpPr>
           <p:cNvPr id="6" name="Прямоугольник 5">
             <a:extLst>
               <a:ext uri="{FF2B5EF4-FFF2-40B4-BE49-F238E27FC236}">
@@ -3713,8 +4208,8 @@
         </p:nvSpPr>
         <p:spPr>
           <a:xfrm>
-            <a:off x="406393" y="463357"/>
-            <a:ext cx="7531100" cy="859127"/>
+            <a:off x="406392" y="297103"/>
+            <a:ext cx="7084298" cy="602070"/>
           </a:xfrm>
         </p:spPr>
         <p:txBody>
@@ -3747,7 +4242,7 @@
         </p:nvSpPr>
         <p:spPr>
           <a:xfrm>
-            <a:off x="406396" y="1972391"/>
+            <a:off x="406397" y="1325845"/>
             <a:ext cx="9416063" cy="954107"/>
           </a:xfrm>
           <a:prstGeom prst="rect">
@@ -3792,7 +4287,7 @@
         </p:nvSpPr>
         <p:spPr>
           <a:xfrm>
-            <a:off x="406392" y="3294876"/>
+            <a:off x="406393" y="2648330"/>
             <a:ext cx="9416063" cy="954107"/>
           </a:xfrm>
           <a:prstGeom prst="rect">
@@ -3837,7 +4332,7 @@
         </p:nvSpPr>
         <p:spPr>
           <a:xfrm>
-            <a:off x="406392" y="4703365"/>
+            <a:off x="406393" y="4056819"/>
             <a:ext cx="9416063" cy="954107"/>
           </a:xfrm>
           <a:prstGeom prst="rect">
@@ -3923,6 +4418,51 @@
               <a:latin typeface="Verdana" panose="020B0604030504040204" pitchFamily="34" charset="0"/>
               <a:ea typeface="Verdana" panose="020B0604030504040204" pitchFamily="34" charset="0"/>
             </a:endParaRPr>
+          </a:p>
+        </p:txBody>
+      </p:sp>
+      <p:sp>
+        <p:nvSpPr>
+          <p:cNvPr id="8" name="TextBox 7">
+            <a:extLst>
+              <a:ext uri="{FF2B5EF4-FFF2-40B4-BE49-F238E27FC236}">
+                <a16:creationId xmlns:a16="http://schemas.microsoft.com/office/drawing/2014/main" id="{D3E2B5E8-44BD-484E-8B59-2DA30AB52C86}"/>
+              </a:ext>
+            </a:extLst>
+          </p:cNvPr>
+          <p:cNvSpPr txBox="1"/>
+          <p:nvPr/>
+        </p:nvSpPr>
+        <p:spPr>
+          <a:xfrm>
+            <a:off x="406392" y="5309878"/>
+            <a:ext cx="9416063" cy="523220"/>
+          </a:xfrm>
+          <a:prstGeom prst="rect">
+            <a:avLst/>
+          </a:prstGeom>
+          <a:noFill/>
+        </p:spPr>
+        <p:txBody>
+          <a:bodyPr wrap="square" rtlCol="0">
+            <a:spAutoFit/>
+          </a:bodyPr>
+          <a:lstStyle/>
+          <a:p>
+            <a:pPr marL="457200" indent="-457200">
+              <a:buFont typeface="Wingdings" panose="05000000000000000000" pitchFamily="2" charset="2"/>
+              <a:buChar char="Ø"/>
+            </a:pPr>
+            <a:r>
+              <a:rPr lang="ru-RU" sz="2800" dirty="0">
+                <a:solidFill>
+                  <a:schemeClr val="bg1"/>
+                </a:solidFill>
+                <a:latin typeface="Verdana" panose="020B0604030504040204" pitchFamily="34" charset="0"/>
+                <a:ea typeface="Verdana" panose="020B0604030504040204" pitchFamily="34" charset="0"/>
+              </a:rPr>
+              <a:t>Провести тестирование и отладку приложения </a:t>
+            </a:r>
           </a:p>
         </p:txBody>
       </p:sp>
@@ -3941,6 +4481,880 @@
 
 <file path=ppt/slides/slide6.xml><?xml version="1.0" encoding="utf-8"?>
 <p:sld xmlns:a="http://schemas.openxmlformats.org/drawingml/2006/main" xmlns:r="http://schemas.openxmlformats.org/officeDocument/2006/relationships" xmlns:p="http://schemas.openxmlformats.org/presentationml/2006/main">
+  <p:cSld>
+    <p:spTree>
+      <p:nvGrpSpPr>
+        <p:cNvPr id="1" name=""/>
+        <p:cNvGrpSpPr/>
+        <p:nvPr/>
+      </p:nvGrpSpPr>
+      <p:grpSpPr>
+        <a:xfrm>
+          <a:off x="0" y="0"/>
+          <a:ext cx="0" cy="0"/>
+          <a:chOff x="0" y="0"/>
+          <a:chExt cx="0" cy="0"/>
+        </a:xfrm>
+      </p:grpSpPr>
+      <p:sp>
+        <p:nvSpPr>
+          <p:cNvPr id="19" name="Прямоугольник 18">
+            <a:extLst>
+              <a:ext uri="{FF2B5EF4-FFF2-40B4-BE49-F238E27FC236}">
+                <a16:creationId xmlns:a16="http://schemas.microsoft.com/office/drawing/2014/main" id="{F126517E-F58A-4499-9E62-EEBC89BC2962}"/>
+              </a:ext>
+            </a:extLst>
+          </p:cNvPr>
+          <p:cNvSpPr/>
+          <p:nvPr/>
+        </p:nvSpPr>
+        <p:spPr>
+          <a:xfrm>
+            <a:off x="0" y="0"/>
+            <a:ext cx="12192000" cy="6858000"/>
+          </a:xfrm>
+          <a:prstGeom prst="rect">
+            <a:avLst/>
+          </a:prstGeom>
+          <a:solidFill>
+            <a:srgbClr val="9575CD"/>
+          </a:solidFill>
+          <a:ln>
+            <a:solidFill>
+              <a:srgbClr val="9575CD"/>
+            </a:solidFill>
+          </a:ln>
+        </p:spPr>
+        <p:style>
+          <a:lnRef idx="2">
+            <a:schemeClr val="accent1">
+              <a:shade val="50000"/>
+            </a:schemeClr>
+          </a:lnRef>
+          <a:fillRef idx="1">
+            <a:schemeClr val="accent1"/>
+          </a:fillRef>
+          <a:effectRef idx="0">
+            <a:schemeClr val="accent1"/>
+          </a:effectRef>
+          <a:fontRef idx="minor">
+            <a:schemeClr val="lt1"/>
+          </a:fontRef>
+        </p:style>
+        <p:txBody>
+          <a:bodyPr rtlCol="0" anchor="ctr"/>
+          <a:lstStyle/>
+          <a:p>
+            <a:pPr algn="ctr"/>
+            <a:endParaRPr lang="ru-RU" dirty="0"/>
+          </a:p>
+        </p:txBody>
+      </p:sp>
+      <p:sp>
+        <p:nvSpPr>
+          <p:cNvPr id="2" name="Заголовок 1">
+            <a:extLst>
+              <a:ext uri="{FF2B5EF4-FFF2-40B4-BE49-F238E27FC236}">
+                <a16:creationId xmlns:a16="http://schemas.microsoft.com/office/drawing/2014/main" id="{BAD75180-431E-4561-A675-F52C67D811D3}"/>
+              </a:ext>
+            </a:extLst>
+          </p:cNvPr>
+          <p:cNvSpPr>
+            <a:spLocks noGrp="1"/>
+          </p:cNvSpPr>
+          <p:nvPr>
+            <p:ph type="ctrTitle"/>
+          </p:nvPr>
+        </p:nvSpPr>
+        <p:spPr>
+          <a:xfrm>
+            <a:off x="0" y="134552"/>
+            <a:ext cx="8636007" cy="859127"/>
+          </a:xfrm>
+        </p:spPr>
+        <p:txBody>
+          <a:bodyPr/>
+          <a:lstStyle/>
+          <a:p>
+            <a:pPr algn="l"/>
+            <a:r>
+              <a:rPr lang="ru-RU" sz="5400" b="1" dirty="0">
+                <a:solidFill>
+                  <a:schemeClr val="bg1"/>
+                </a:solidFill>
+              </a:rPr>
+              <a:t>Средства разработки</a:t>
+            </a:r>
+          </a:p>
+        </p:txBody>
+      </p:sp>
+      <p:pic>
+        <p:nvPicPr>
+          <p:cNvPr id="1034" name="Picture 10" descr="Picture background">
+            <a:extLst>
+              <a:ext uri="{FF2B5EF4-FFF2-40B4-BE49-F238E27FC236}">
+                <a16:creationId xmlns:a16="http://schemas.microsoft.com/office/drawing/2014/main" id="{A1B555BC-F986-4737-B801-55CB1FBA200D}"/>
+              </a:ext>
+            </a:extLst>
+          </p:cNvPr>
+          <p:cNvPicPr>
+            <a:picLocks noChangeAspect="1" noChangeArrowheads="1"/>
+          </p:cNvPicPr>
+          <p:nvPr/>
+        </p:nvPicPr>
+        <p:blipFill>
+          <a:blip r:embed="rId3">
+            <a:extLst>
+              <a:ext uri="{28A0092B-C50C-407E-A947-70E740481C1C}">
+                <a14:useLocalDpi xmlns:a14="http://schemas.microsoft.com/office/drawing/2010/main" val="0"/>
+              </a:ext>
+            </a:extLst>
+          </a:blip>
+          <a:srcRect/>
+          <a:stretch>
+            <a:fillRect/>
+          </a:stretch>
+        </p:blipFill>
+        <p:spPr bwMode="auto">
+          <a:xfrm>
+            <a:off x="9915954" y="1868799"/>
+            <a:ext cx="1349119" cy="1449801"/>
+          </a:xfrm>
+          <a:prstGeom prst="rect">
+            <a:avLst/>
+          </a:prstGeom>
+          <a:noFill/>
+          <a:effectLst>
+            <a:outerShdw blurRad="596900" dist="50800" dir="5400000" sx="107000" sy="107000" algn="ctr" rotWithShape="0">
+              <a:schemeClr val="accent5">
+                <a:lumMod val="60000"/>
+                <a:lumOff val="40000"/>
+              </a:schemeClr>
+            </a:outerShdw>
+          </a:effectLst>
+          <a:extLst>
+            <a:ext uri="{909E8E84-426E-40DD-AFC4-6F175D3DCCD1}">
+              <a14:hiddenFill xmlns:a14="http://schemas.microsoft.com/office/drawing/2010/main">
+                <a:solidFill>
+                  <a:srgbClr val="FFFFFF"/>
+                </a:solidFill>
+              </a14:hiddenFill>
+            </a:ext>
+          </a:extLst>
+        </p:spPr>
+      </p:pic>
+      <p:pic>
+        <p:nvPicPr>
+          <p:cNvPr id="12" name="Picture 4" descr="Picture background">
+            <a:extLst>
+              <a:ext uri="{FF2B5EF4-FFF2-40B4-BE49-F238E27FC236}">
+                <a16:creationId xmlns:a16="http://schemas.microsoft.com/office/drawing/2014/main" id="{5C964909-2B33-4F69-8E97-C92F0410C94C}"/>
+              </a:ext>
+            </a:extLst>
+          </p:cNvPr>
+          <p:cNvPicPr>
+            <a:picLocks noChangeAspect="1" noChangeArrowheads="1"/>
+          </p:cNvPicPr>
+          <p:nvPr/>
+        </p:nvPicPr>
+        <p:blipFill>
+          <a:blip r:embed="rId4">
+            <a:extLst>
+              <a:ext uri="{28A0092B-C50C-407E-A947-70E740481C1C}">
+                <a14:useLocalDpi xmlns:a14="http://schemas.microsoft.com/office/drawing/2010/main" val="0"/>
+              </a:ext>
+            </a:extLst>
+          </a:blip>
+          <a:srcRect/>
+          <a:stretch>
+            <a:fillRect/>
+          </a:stretch>
+        </p:blipFill>
+        <p:spPr bwMode="auto">
+          <a:xfrm flipH="1" flipV="1">
+            <a:off x="5313798" y="1958109"/>
+            <a:ext cx="1872812" cy="1170500"/>
+          </a:xfrm>
+          <a:prstGeom prst="rect">
+            <a:avLst/>
+          </a:prstGeom>
+          <a:noFill/>
+          <a:effectLst>
+            <a:outerShdw blurRad="596900" dist="50800" dir="5400000" sx="107000" sy="107000" algn="ctr" rotWithShape="0">
+              <a:schemeClr val="accent5">
+                <a:lumMod val="60000"/>
+                <a:lumOff val="40000"/>
+              </a:schemeClr>
+            </a:outerShdw>
+          </a:effectLst>
+          <a:extLst>
+            <a:ext uri="{909E8E84-426E-40DD-AFC4-6F175D3DCCD1}">
+              <a14:hiddenFill xmlns:a14="http://schemas.microsoft.com/office/drawing/2010/main">
+                <a:solidFill>
+                  <a:srgbClr val="FFFFFF"/>
+                </a:solidFill>
+              </a14:hiddenFill>
+            </a:ext>
+          </a:extLst>
+        </p:spPr>
+      </p:pic>
+      <p:pic>
+        <p:nvPicPr>
+          <p:cNvPr id="1036" name="Picture 12" descr="Picture background">
+            <a:extLst>
+              <a:ext uri="{FF2B5EF4-FFF2-40B4-BE49-F238E27FC236}">
+                <a16:creationId xmlns:a16="http://schemas.microsoft.com/office/drawing/2014/main" id="{94892BE9-430E-4D9E-8091-B5637179B72C}"/>
+              </a:ext>
+            </a:extLst>
+          </p:cNvPr>
+          <p:cNvPicPr>
+            <a:picLocks noChangeAspect="1" noChangeArrowheads="1"/>
+          </p:cNvPicPr>
+          <p:nvPr/>
+        </p:nvPicPr>
+        <p:blipFill>
+          <a:blip r:embed="rId5">
+            <a:extLst>
+              <a:ext uri="{28A0092B-C50C-407E-A947-70E740481C1C}">
+                <a14:useLocalDpi xmlns:a14="http://schemas.microsoft.com/office/drawing/2010/main" val="0"/>
+              </a:ext>
+            </a:extLst>
+          </a:blip>
+          <a:srcRect/>
+          <a:stretch>
+            <a:fillRect/>
+          </a:stretch>
+        </p:blipFill>
+        <p:spPr bwMode="auto">
+          <a:xfrm>
+            <a:off x="841053" y="1958109"/>
+            <a:ext cx="1936970" cy="1001019"/>
+          </a:xfrm>
+          <a:prstGeom prst="rect">
+            <a:avLst/>
+          </a:prstGeom>
+          <a:noFill/>
+          <a:effectLst>
+            <a:outerShdw blurRad="190500" dist="50800" dir="5400000" sx="119000" sy="119000" algn="ctr" rotWithShape="0">
+              <a:schemeClr val="accent5">
+                <a:lumMod val="60000"/>
+                <a:lumOff val="40000"/>
+              </a:schemeClr>
+            </a:outerShdw>
+          </a:effectLst>
+          <a:extLst>
+            <a:ext uri="{909E8E84-426E-40DD-AFC4-6F175D3DCCD1}">
+              <a14:hiddenFill xmlns:a14="http://schemas.microsoft.com/office/drawing/2010/main">
+                <a:solidFill>
+                  <a:srgbClr val="FFFFFF"/>
+                </a:solidFill>
+              </a14:hiddenFill>
+            </a:ext>
+          </a:extLst>
+        </p:spPr>
+      </p:pic>
+      <p:pic>
+        <p:nvPicPr>
+          <p:cNvPr id="1038" name="Picture 14">
+            <a:extLst>
+              <a:ext uri="{FF2B5EF4-FFF2-40B4-BE49-F238E27FC236}">
+                <a16:creationId xmlns:a16="http://schemas.microsoft.com/office/drawing/2014/main" id="{D00749DB-3BCA-4BE5-8F01-741EE710BE54}"/>
+              </a:ext>
+            </a:extLst>
+          </p:cNvPr>
+          <p:cNvPicPr>
+            <a:picLocks noChangeAspect="1" noChangeArrowheads="1"/>
+          </p:cNvPicPr>
+          <p:nvPr/>
+        </p:nvPicPr>
+        <p:blipFill>
+          <a:blip r:embed="rId6">
+            <a:extLst>
+              <a:ext uri="{28A0092B-C50C-407E-A947-70E740481C1C}">
+                <a14:useLocalDpi xmlns:a14="http://schemas.microsoft.com/office/drawing/2010/main" val="0"/>
+              </a:ext>
+            </a:extLst>
+          </a:blip>
+          <a:srcRect/>
+          <a:stretch>
+            <a:fillRect/>
+          </a:stretch>
+        </p:blipFill>
+        <p:spPr bwMode="auto">
+          <a:xfrm>
+            <a:off x="5791124" y="4733408"/>
+            <a:ext cx="1082253" cy="1082253"/>
+          </a:xfrm>
+          <a:prstGeom prst="rect">
+            <a:avLst/>
+          </a:prstGeom>
+          <a:noFill/>
+          <a:effectLst>
+            <a:outerShdw blurRad="1270000" dist="50800" dir="5400000" sx="135000" sy="135000" algn="ctr" rotWithShape="0">
+              <a:schemeClr val="accent5">
+                <a:lumMod val="60000"/>
+                <a:lumOff val="40000"/>
+              </a:schemeClr>
+            </a:outerShdw>
+            <a:softEdge rad="0"/>
+          </a:effectLst>
+        </p:spPr>
+      </p:pic>
+      <p:pic>
+        <p:nvPicPr>
+          <p:cNvPr id="1040" name="Picture 16" descr="Picture background">
+            <a:extLst>
+              <a:ext uri="{FF2B5EF4-FFF2-40B4-BE49-F238E27FC236}">
+                <a16:creationId xmlns:a16="http://schemas.microsoft.com/office/drawing/2014/main" id="{163F9C1F-4BC7-43A2-94EC-6FB074D4E6E0}"/>
+              </a:ext>
+            </a:extLst>
+          </p:cNvPr>
+          <p:cNvPicPr>
+            <a:picLocks noChangeAspect="1" noChangeArrowheads="1"/>
+          </p:cNvPicPr>
+          <p:nvPr/>
+        </p:nvPicPr>
+        <p:blipFill>
+          <a:blip r:embed="rId7">
+            <a:extLst>
+              <a:ext uri="{28A0092B-C50C-407E-A947-70E740481C1C}">
+                <a14:useLocalDpi xmlns:a14="http://schemas.microsoft.com/office/drawing/2010/main" val="0"/>
+              </a:ext>
+            </a:extLst>
+          </a:blip>
+          <a:srcRect/>
+          <a:stretch>
+            <a:fillRect/>
+          </a:stretch>
+        </p:blipFill>
+        <p:spPr bwMode="auto">
+          <a:xfrm>
+            <a:off x="10022364" y="4733408"/>
+            <a:ext cx="1136297" cy="1136297"/>
+          </a:xfrm>
+          <a:prstGeom prst="rect">
+            <a:avLst/>
+          </a:prstGeom>
+          <a:noFill/>
+          <a:effectLst>
+            <a:outerShdw blurRad="1270000" dist="50800" dir="5400000" sx="135000" sy="135000" algn="ctr" rotWithShape="0">
+              <a:schemeClr val="accent5">
+                <a:lumMod val="60000"/>
+                <a:lumOff val="40000"/>
+              </a:schemeClr>
+            </a:outerShdw>
+          </a:effectLst>
+          <a:extLst>
+            <a:ext uri="{909E8E84-426E-40DD-AFC4-6F175D3DCCD1}">
+              <a14:hiddenFill xmlns:a14="http://schemas.microsoft.com/office/drawing/2010/main">
+                <a:solidFill>
+                  <a:srgbClr val="FFFFFF"/>
+                </a:solidFill>
+              </a14:hiddenFill>
+            </a:ext>
+          </a:extLst>
+        </p:spPr>
+      </p:pic>
+      <p:sp>
+        <p:nvSpPr>
+          <p:cNvPr id="43" name="TextBox 42">
+            <a:extLst>
+              <a:ext uri="{FF2B5EF4-FFF2-40B4-BE49-F238E27FC236}">
+                <a16:creationId xmlns:a16="http://schemas.microsoft.com/office/drawing/2014/main" id="{78E6945D-4BD4-4350-8A4F-46FC7DD16881}"/>
+              </a:ext>
+            </a:extLst>
+          </p:cNvPr>
+          <p:cNvSpPr txBox="1"/>
+          <p:nvPr/>
+        </p:nvSpPr>
+        <p:spPr>
+          <a:xfrm>
+            <a:off x="11179278" y="6211669"/>
+            <a:ext cx="1012722" cy="646331"/>
+          </a:xfrm>
+          <a:prstGeom prst="rect">
+            <a:avLst/>
+          </a:prstGeom>
+          <a:noFill/>
+        </p:spPr>
+        <p:txBody>
+          <a:bodyPr wrap="square" rtlCol="0">
+            <a:spAutoFit/>
+          </a:bodyPr>
+          <a:lstStyle/>
+          <a:p>
+            <a:r>
+              <a:rPr lang="ru-RU" sz="3600" dirty="0">
+                <a:solidFill>
+                  <a:schemeClr val="bg1"/>
+                </a:solidFill>
+                <a:latin typeface="Verdana" panose="020B0604030504040204" pitchFamily="34" charset="0"/>
+                <a:ea typeface="Verdana" panose="020B0604030504040204" pitchFamily="34" charset="0"/>
+              </a:rPr>
+              <a:t>6</a:t>
+            </a:r>
+            <a:r>
+              <a:rPr lang="en-US" sz="3600" dirty="0">
+                <a:solidFill>
+                  <a:schemeClr val="bg1"/>
+                </a:solidFill>
+                <a:latin typeface="Verdana" panose="020B0604030504040204" pitchFamily="34" charset="0"/>
+                <a:ea typeface="Verdana" panose="020B0604030504040204" pitchFamily="34" charset="0"/>
+              </a:rPr>
+              <a:t>/9</a:t>
+            </a:r>
+            <a:endParaRPr lang="ru-RU" sz="3600" dirty="0">
+              <a:solidFill>
+                <a:schemeClr val="bg1"/>
+              </a:solidFill>
+              <a:latin typeface="Verdana" panose="020B0604030504040204" pitchFamily="34" charset="0"/>
+              <a:ea typeface="Verdana" panose="020B0604030504040204" pitchFamily="34" charset="0"/>
+            </a:endParaRPr>
+          </a:p>
+        </p:txBody>
+      </p:sp>
+      <p:pic>
+        <p:nvPicPr>
+          <p:cNvPr id="6" name="Picture 14" descr="Mysql workbench Icon">
+            <a:extLst>
+              <a:ext uri="{FF2B5EF4-FFF2-40B4-BE49-F238E27FC236}">
+                <a16:creationId xmlns:a16="http://schemas.microsoft.com/office/drawing/2014/main" id="{B888169B-2212-45D0-BB5C-06222686A255}"/>
+              </a:ext>
+            </a:extLst>
+          </p:cNvPr>
+          <p:cNvPicPr>
+            <a:picLocks noChangeAspect="1" noChangeArrowheads="1"/>
+          </p:cNvPicPr>
+          <p:nvPr/>
+        </p:nvPicPr>
+        <p:blipFill>
+          <a:blip r:embed="rId8">
+            <a:extLst>
+              <a:ext uri="{28A0092B-C50C-407E-A947-70E740481C1C}">
+                <a14:useLocalDpi xmlns:a14="http://schemas.microsoft.com/office/drawing/2010/main" val="0"/>
+              </a:ext>
+            </a:extLst>
+          </a:blip>
+          <a:srcRect/>
+          <a:stretch>
+            <a:fillRect/>
+          </a:stretch>
+        </p:blipFill>
+        <p:spPr bwMode="auto">
+          <a:xfrm>
+            <a:off x="1286339" y="4509050"/>
+            <a:ext cx="1224816" cy="1224816"/>
+          </a:xfrm>
+          <a:prstGeom prst="rect">
+            <a:avLst/>
+          </a:prstGeom>
+          <a:noFill/>
+          <a:effectLst>
+            <a:outerShdw blurRad="1270000" dist="50800" dir="5400000" sx="135000" sy="135000" algn="ctr" rotWithShape="0">
+              <a:schemeClr val="accent5">
+                <a:lumMod val="60000"/>
+                <a:lumOff val="40000"/>
+              </a:schemeClr>
+            </a:outerShdw>
+          </a:effectLst>
+          <a:extLst>
+            <a:ext uri="{909E8E84-426E-40DD-AFC4-6F175D3DCCD1}">
+              <a14:hiddenFill xmlns:a14="http://schemas.microsoft.com/office/drawing/2010/main">
+                <a:solidFill>
+                  <a:srgbClr val="FFFFFF"/>
+                </a:solidFill>
+              </a14:hiddenFill>
+            </a:ext>
+          </a:extLst>
+        </p:spPr>
+      </p:pic>
+      <p:sp>
+        <p:nvSpPr>
+          <p:cNvPr id="21" name="Овал 20">
+            <a:extLst>
+              <a:ext uri="{FF2B5EF4-FFF2-40B4-BE49-F238E27FC236}">
+                <a16:creationId xmlns:a16="http://schemas.microsoft.com/office/drawing/2014/main" id="{D679701C-08D1-4FD1-A1C3-C03405AC0AD2}"/>
+              </a:ext>
+            </a:extLst>
+          </p:cNvPr>
+          <p:cNvSpPr/>
+          <p:nvPr/>
+        </p:nvSpPr>
+        <p:spPr>
+          <a:xfrm>
+            <a:off x="281204" y="1868799"/>
+            <a:ext cx="3202974" cy="1349119"/>
+          </a:xfrm>
+          <a:prstGeom prst="ellipse">
+            <a:avLst/>
+          </a:prstGeom>
+          <a:noFill/>
+          <a:ln>
+            <a:solidFill>
+              <a:schemeClr val="bg1"/>
+            </a:solidFill>
+          </a:ln>
+          <a:effectLst>
+            <a:outerShdw blurRad="1270000" dist="50800" dir="5400000" sx="186000" sy="186000" algn="ctr" rotWithShape="0">
+              <a:schemeClr val="accent5">
+                <a:lumMod val="60000"/>
+                <a:lumOff val="40000"/>
+              </a:schemeClr>
+            </a:outerShdw>
+          </a:effectLst>
+        </p:spPr>
+        <p:style>
+          <a:lnRef idx="2">
+            <a:schemeClr val="accent4"/>
+          </a:lnRef>
+          <a:fillRef idx="1">
+            <a:schemeClr val="lt1"/>
+          </a:fillRef>
+          <a:effectRef idx="0">
+            <a:schemeClr val="accent4"/>
+          </a:effectRef>
+          <a:fontRef idx="minor">
+            <a:schemeClr val="dk1"/>
+          </a:fontRef>
+        </p:style>
+        <p:txBody>
+          <a:bodyPr rtlCol="0" anchor="ctr"/>
+          <a:lstStyle/>
+          <a:p>
+            <a:pPr algn="ctr"/>
+            <a:endParaRPr lang="ru-RU" dirty="0">
+              <a:highlight>
+                <a:srgbClr val="FFFF00"/>
+              </a:highlight>
+            </a:endParaRPr>
+          </a:p>
+        </p:txBody>
+      </p:sp>
+      <p:sp>
+        <p:nvSpPr>
+          <p:cNvPr id="40" name="Овал 39">
+            <a:extLst>
+              <a:ext uri="{FF2B5EF4-FFF2-40B4-BE49-F238E27FC236}">
+                <a16:creationId xmlns:a16="http://schemas.microsoft.com/office/drawing/2014/main" id="{3ACA9DFD-D58F-42E2-8503-3ED981272D02}"/>
+              </a:ext>
+            </a:extLst>
+          </p:cNvPr>
+          <p:cNvSpPr/>
+          <p:nvPr/>
+        </p:nvSpPr>
+        <p:spPr>
+          <a:xfrm>
+            <a:off x="4635115" y="1919138"/>
+            <a:ext cx="3202974" cy="1349119"/>
+          </a:xfrm>
+          <a:prstGeom prst="ellipse">
+            <a:avLst/>
+          </a:prstGeom>
+          <a:noFill/>
+          <a:ln>
+            <a:solidFill>
+              <a:schemeClr val="bg1"/>
+            </a:solidFill>
+          </a:ln>
+          <a:effectLst>
+            <a:outerShdw blurRad="596900" dist="50800" dir="5400000" sx="107000" sy="107000" algn="ctr" rotWithShape="0">
+              <a:schemeClr val="accent5">
+                <a:lumMod val="60000"/>
+                <a:lumOff val="40000"/>
+              </a:schemeClr>
+            </a:outerShdw>
+          </a:effectLst>
+        </p:spPr>
+        <p:style>
+          <a:lnRef idx="2">
+            <a:schemeClr val="accent4"/>
+          </a:lnRef>
+          <a:fillRef idx="1">
+            <a:schemeClr val="lt1"/>
+          </a:fillRef>
+          <a:effectRef idx="0">
+            <a:schemeClr val="accent4"/>
+          </a:effectRef>
+          <a:fontRef idx="minor">
+            <a:schemeClr val="dk1"/>
+          </a:fontRef>
+        </p:style>
+        <p:txBody>
+          <a:bodyPr rtlCol="0" anchor="ctr"/>
+          <a:lstStyle/>
+          <a:p>
+            <a:pPr algn="ctr"/>
+            <a:endParaRPr lang="ru-RU" dirty="0">
+              <a:highlight>
+                <a:srgbClr val="FFFF00"/>
+              </a:highlight>
+            </a:endParaRPr>
+          </a:p>
+        </p:txBody>
+      </p:sp>
+      <p:sp>
+        <p:nvSpPr>
+          <p:cNvPr id="41" name="Овал 40">
+            <a:extLst>
+              <a:ext uri="{FF2B5EF4-FFF2-40B4-BE49-F238E27FC236}">
+                <a16:creationId xmlns:a16="http://schemas.microsoft.com/office/drawing/2014/main" id="{1B1B6449-F3F7-465F-89D5-A0B25EAE8033}"/>
+              </a:ext>
+            </a:extLst>
+          </p:cNvPr>
+          <p:cNvSpPr/>
+          <p:nvPr/>
+        </p:nvSpPr>
+        <p:spPr>
+          <a:xfrm>
+            <a:off x="8989026" y="1919139"/>
+            <a:ext cx="3202974" cy="1349119"/>
+          </a:xfrm>
+          <a:prstGeom prst="ellipse">
+            <a:avLst/>
+          </a:prstGeom>
+          <a:noFill/>
+          <a:ln>
+            <a:solidFill>
+              <a:schemeClr val="bg1"/>
+            </a:solidFill>
+          </a:ln>
+          <a:effectLst>
+            <a:outerShdw blurRad="596900" dist="50800" dir="5400000" sx="107000" sy="107000" algn="ctr" rotWithShape="0">
+              <a:schemeClr val="accent5">
+                <a:lumMod val="60000"/>
+                <a:lumOff val="40000"/>
+              </a:schemeClr>
+            </a:outerShdw>
+          </a:effectLst>
+        </p:spPr>
+        <p:style>
+          <a:lnRef idx="2">
+            <a:schemeClr val="accent4"/>
+          </a:lnRef>
+          <a:fillRef idx="1">
+            <a:schemeClr val="lt1"/>
+          </a:fillRef>
+          <a:effectRef idx="0">
+            <a:schemeClr val="accent4"/>
+          </a:effectRef>
+          <a:fontRef idx="minor">
+            <a:schemeClr val="dk1"/>
+          </a:fontRef>
+        </p:style>
+        <p:txBody>
+          <a:bodyPr rtlCol="0" anchor="ctr"/>
+          <a:lstStyle/>
+          <a:p>
+            <a:pPr algn="ctr"/>
+            <a:endParaRPr lang="ru-RU" dirty="0">
+              <a:highlight>
+                <a:srgbClr val="FFFF00"/>
+              </a:highlight>
+            </a:endParaRPr>
+          </a:p>
+        </p:txBody>
+      </p:sp>
+      <p:sp>
+        <p:nvSpPr>
+          <p:cNvPr id="44" name="Овал 43">
+            <a:extLst>
+              <a:ext uri="{FF2B5EF4-FFF2-40B4-BE49-F238E27FC236}">
+                <a16:creationId xmlns:a16="http://schemas.microsoft.com/office/drawing/2014/main" id="{DFC8E2C8-BC4F-4AF3-8D2D-F3CF1E2ED04C}"/>
+              </a:ext>
+            </a:extLst>
+          </p:cNvPr>
+          <p:cNvSpPr/>
+          <p:nvPr/>
+        </p:nvSpPr>
+        <p:spPr>
+          <a:xfrm>
+            <a:off x="281204" y="4440136"/>
+            <a:ext cx="3235086" cy="1362645"/>
+          </a:xfrm>
+          <a:prstGeom prst="ellipse">
+            <a:avLst/>
+          </a:prstGeom>
+          <a:noFill/>
+          <a:ln>
+            <a:solidFill>
+              <a:schemeClr val="bg1"/>
+            </a:solidFill>
+          </a:ln>
+          <a:effectLst>
+            <a:outerShdw blurRad="1270000" dist="50800" dir="5400000" sx="135000" sy="135000" algn="ctr" rotWithShape="0">
+              <a:schemeClr val="accent5">
+                <a:lumMod val="60000"/>
+                <a:lumOff val="40000"/>
+              </a:schemeClr>
+            </a:outerShdw>
+          </a:effectLst>
+        </p:spPr>
+        <p:style>
+          <a:lnRef idx="2">
+            <a:schemeClr val="accent4"/>
+          </a:lnRef>
+          <a:fillRef idx="1">
+            <a:schemeClr val="lt1"/>
+          </a:fillRef>
+          <a:effectRef idx="0">
+            <a:schemeClr val="accent4"/>
+          </a:effectRef>
+          <a:fontRef idx="minor">
+            <a:schemeClr val="dk1"/>
+          </a:fontRef>
+        </p:style>
+        <p:txBody>
+          <a:bodyPr rtlCol="0" anchor="ctr"/>
+          <a:lstStyle/>
+          <a:p>
+            <a:pPr algn="ctr"/>
+            <a:endParaRPr lang="ru-RU" dirty="0">
+              <a:highlight>
+                <a:srgbClr val="FFFF00"/>
+              </a:highlight>
+            </a:endParaRPr>
+          </a:p>
+        </p:txBody>
+      </p:sp>
+      <p:sp>
+        <p:nvSpPr>
+          <p:cNvPr id="45" name="Овал 44">
+            <a:extLst>
+              <a:ext uri="{FF2B5EF4-FFF2-40B4-BE49-F238E27FC236}">
+                <a16:creationId xmlns:a16="http://schemas.microsoft.com/office/drawing/2014/main" id="{EC6329EE-AA27-4EDC-8E42-047441FF07E5}"/>
+              </a:ext>
+            </a:extLst>
+          </p:cNvPr>
+          <p:cNvSpPr/>
+          <p:nvPr/>
+        </p:nvSpPr>
+        <p:spPr>
+          <a:xfrm>
+            <a:off x="8882876" y="4620235"/>
+            <a:ext cx="3235086" cy="1362645"/>
+          </a:xfrm>
+          <a:prstGeom prst="ellipse">
+            <a:avLst/>
+          </a:prstGeom>
+          <a:noFill/>
+          <a:ln>
+            <a:solidFill>
+              <a:schemeClr val="bg1"/>
+            </a:solidFill>
+          </a:ln>
+          <a:effectLst>
+            <a:outerShdw blurRad="1270000" dist="50800" dir="5400000" sx="135000" sy="135000" algn="ctr" rotWithShape="0">
+              <a:schemeClr val="accent5">
+                <a:lumMod val="60000"/>
+                <a:lumOff val="40000"/>
+              </a:schemeClr>
+            </a:outerShdw>
+          </a:effectLst>
+        </p:spPr>
+        <p:style>
+          <a:lnRef idx="2">
+            <a:schemeClr val="accent4"/>
+          </a:lnRef>
+          <a:fillRef idx="1">
+            <a:schemeClr val="lt1"/>
+          </a:fillRef>
+          <a:effectRef idx="0">
+            <a:schemeClr val="accent4"/>
+          </a:effectRef>
+          <a:fontRef idx="minor">
+            <a:schemeClr val="dk1"/>
+          </a:fontRef>
+        </p:style>
+        <p:txBody>
+          <a:bodyPr rtlCol="0" anchor="ctr"/>
+          <a:lstStyle/>
+          <a:p>
+            <a:pPr algn="ctr"/>
+            <a:endParaRPr lang="ru-RU" dirty="0">
+              <a:highlight>
+                <a:srgbClr val="FFFF00"/>
+              </a:highlight>
+            </a:endParaRPr>
+          </a:p>
+        </p:txBody>
+      </p:sp>
+      <p:sp>
+        <p:nvSpPr>
+          <p:cNvPr id="46" name="Овал 45">
+            <a:extLst>
+              <a:ext uri="{FF2B5EF4-FFF2-40B4-BE49-F238E27FC236}">
+                <a16:creationId xmlns:a16="http://schemas.microsoft.com/office/drawing/2014/main" id="{F8B002A9-09C6-461A-8F87-D153F63B420E}"/>
+              </a:ext>
+            </a:extLst>
+          </p:cNvPr>
+          <p:cNvSpPr/>
+          <p:nvPr/>
+        </p:nvSpPr>
+        <p:spPr>
+          <a:xfrm>
+            <a:off x="4744205" y="4595260"/>
+            <a:ext cx="3235086" cy="1362645"/>
+          </a:xfrm>
+          <a:prstGeom prst="ellipse">
+            <a:avLst/>
+          </a:prstGeom>
+          <a:noFill/>
+          <a:ln>
+            <a:solidFill>
+              <a:schemeClr val="bg1"/>
+            </a:solidFill>
+          </a:ln>
+          <a:effectLst>
+            <a:outerShdw blurRad="1270000" dist="50800" dir="5400000" sx="135000" sy="135000" algn="ctr" rotWithShape="0">
+              <a:schemeClr val="accent5">
+                <a:lumMod val="60000"/>
+                <a:lumOff val="40000"/>
+              </a:schemeClr>
+            </a:outerShdw>
+          </a:effectLst>
+        </p:spPr>
+        <p:style>
+          <a:lnRef idx="2">
+            <a:schemeClr val="accent4"/>
+          </a:lnRef>
+          <a:fillRef idx="1">
+            <a:schemeClr val="lt1"/>
+          </a:fillRef>
+          <a:effectRef idx="0">
+            <a:schemeClr val="accent4"/>
+          </a:effectRef>
+          <a:fontRef idx="minor">
+            <a:schemeClr val="dk1"/>
+          </a:fontRef>
+        </p:style>
+        <p:txBody>
+          <a:bodyPr rtlCol="0" anchor="ctr"/>
+          <a:lstStyle/>
+          <a:p>
+            <a:pPr algn="ctr"/>
+            <a:endParaRPr lang="ru-RU" dirty="0">
+              <a:highlight>
+                <a:srgbClr val="FFFF00"/>
+              </a:highlight>
+            </a:endParaRPr>
+          </a:p>
+        </p:txBody>
+      </p:sp>
+    </p:spTree>
+    <p:extLst>
+      <p:ext uri="{BB962C8B-B14F-4D97-AF65-F5344CB8AC3E}">
+        <p14:creationId xmlns:p14="http://schemas.microsoft.com/office/powerpoint/2010/main" val="2152585810"/>
+      </p:ext>
+    </p:extLst>
+  </p:cSld>
+  <p:clrMapOvr>
+    <a:masterClrMapping/>
+  </p:clrMapOvr>
+</p:sld>
+</file>
+
+<file path=ppt/slides/slide7.xml><?xml version="1.0" encoding="utf-8"?>
+<p:sld xmlns:a="http://schemas.openxmlformats.org/drawingml/2006/main" xmlns:r="http://schemas.openxmlformats.org/officeDocument/2006/relationships" xmlns:p="http://schemas.openxmlformats.org/presentationml/2006/main" show="0">
   <p:cSld>
     <p:spTree>
       <p:nvGrpSpPr>
@@ -4618,10 +6032,10 @@
         </p:nvGrpSpPr>
         <p:grpSpPr>
           <a:xfrm>
-            <a:off x="9825907" y="5644028"/>
-            <a:ext cx="1086569" cy="991971"/>
-            <a:chOff x="2881602" y="4781475"/>
-            <a:chExt cx="1086569" cy="991971"/>
+            <a:off x="4941243" y="3562285"/>
+            <a:ext cx="5971233" cy="3073714"/>
+            <a:chOff x="-2003062" y="2699732"/>
+            <a:chExt cx="5971233" cy="3073714"/>
           </a:xfrm>
         </p:grpSpPr>
         <p:sp>
@@ -4708,8 +6122,8 @@
           </p:blipFill>
           <p:spPr bwMode="auto">
             <a:xfrm>
-              <a:off x="3005590" y="4871962"/>
-              <a:ext cx="838592" cy="838592"/>
+              <a:off x="-2003062" y="2699732"/>
+              <a:ext cx="1162055" cy="1162055"/>
             </a:xfrm>
             <a:prstGeom prst="rect">
               <a:avLst/>
@@ -4864,8 +6278,8 @@
         </p:nvSpPr>
         <p:spPr>
           <a:xfrm>
-            <a:off x="406387" y="2848934"/>
-            <a:ext cx="9416063" cy="523220"/>
+            <a:off x="406388" y="2848934"/>
+            <a:ext cx="5061540" cy="523220"/>
           </a:xfrm>
           <a:prstGeom prst="rect">
             <a:avLst/>
@@ -4953,10 +6367,57 @@
           </a:p>
         </p:txBody>
       </p:sp>
+      <p:pic>
+        <p:nvPicPr>
+          <p:cNvPr id="6" name="Picture 14" descr="Mysql workbench Icon">
+            <a:extLst>
+              <a:ext uri="{FF2B5EF4-FFF2-40B4-BE49-F238E27FC236}">
+                <a16:creationId xmlns:a16="http://schemas.microsoft.com/office/drawing/2014/main" id="{B888169B-2212-45D0-BB5C-06222686A255}"/>
+              </a:ext>
+            </a:extLst>
+          </p:cNvPr>
+          <p:cNvPicPr>
+            <a:picLocks noChangeAspect="1" noChangeArrowheads="1"/>
+          </p:cNvPicPr>
+          <p:nvPr/>
+        </p:nvPicPr>
+        <p:blipFill>
+          <a:blip r:embed="rId8">
+            <a:extLst>
+              <a:ext uri="{28A0092B-C50C-407E-A947-70E740481C1C}">
+                <a14:useLocalDpi xmlns:a14="http://schemas.microsoft.com/office/drawing/2010/main" val="0"/>
+              </a:ext>
+            </a:extLst>
+          </a:blip>
+          <a:srcRect/>
+          <a:stretch>
+            <a:fillRect/>
+          </a:stretch>
+        </p:blipFill>
+        <p:spPr bwMode="auto">
+          <a:xfrm>
+            <a:off x="6180801" y="3437774"/>
+            <a:ext cx="1349119" cy="1349119"/>
+          </a:xfrm>
+          <a:prstGeom prst="rect">
+            <a:avLst/>
+          </a:prstGeom>
+          <a:noFill/>
+          <a:extLst>
+            <a:ext uri="{909E8E84-426E-40DD-AFC4-6F175D3DCCD1}">
+              <a14:hiddenFill xmlns:a14="http://schemas.microsoft.com/office/drawing/2010/main">
+                <a:solidFill>
+                  <a:srgbClr val="FFFFFF"/>
+                </a:solidFill>
+              </a14:hiddenFill>
+            </a:ext>
+          </a:extLst>
+        </p:spPr>
+      </p:pic>
     </p:spTree>
     <p:extLst>
       <p:ext uri="{BB962C8B-B14F-4D97-AF65-F5344CB8AC3E}">
-        <p14:creationId xmlns:p14="http://schemas.microsoft.com/office/powerpoint/2010/main" val="2152585810"/>
+        <p14:creationId xmlns:p14="http://schemas.microsoft.com/office/powerpoint/2010/main" val="275532561"/>
       </p:ext>
     </p:extLst>
   </p:cSld>
@@ -4966,7 +6427,7 @@
 </p:sld>
 </file>
 
-<file path=ppt/slides/slide7.xml><?xml version="1.0" encoding="utf-8"?>
+<file path=ppt/slides/slide8.xml><?xml version="1.0" encoding="utf-8"?>
 <p:sld xmlns:a="http://schemas.openxmlformats.org/drawingml/2006/main" xmlns:r="http://schemas.openxmlformats.org/officeDocument/2006/relationships" xmlns:p="http://schemas.openxmlformats.org/presentationml/2006/main">
   <p:cSld>
     <p:spTree>
@@ -5708,321 +7169,6 @@
 </p:sld>
 </file>
 
-<file path=ppt/slides/slide8.xml><?xml version="1.0" encoding="utf-8"?>
-<p:sld xmlns:a="http://schemas.openxmlformats.org/drawingml/2006/main" xmlns:r="http://schemas.openxmlformats.org/officeDocument/2006/relationships" xmlns:p="http://schemas.openxmlformats.org/presentationml/2006/main">
-  <p:cSld>
-    <p:spTree>
-      <p:nvGrpSpPr>
-        <p:cNvPr id="1" name=""/>
-        <p:cNvGrpSpPr/>
-        <p:nvPr/>
-      </p:nvGrpSpPr>
-      <p:grpSpPr>
-        <a:xfrm>
-          <a:off x="0" y="0"/>
-          <a:ext cx="0" cy="0"/>
-          <a:chOff x="0" y="0"/>
-          <a:chExt cx="0" cy="0"/>
-        </a:xfrm>
-      </p:grpSpPr>
-      <p:sp>
-        <p:nvSpPr>
-          <p:cNvPr id="4" name="Прямоугольник 3">
-            <a:extLst>
-              <a:ext uri="{FF2B5EF4-FFF2-40B4-BE49-F238E27FC236}">
-                <a16:creationId xmlns:a16="http://schemas.microsoft.com/office/drawing/2014/main" id="{49D86AB7-4336-4DEB-8CB6-0D96926A1059}"/>
-              </a:ext>
-            </a:extLst>
-          </p:cNvPr>
-          <p:cNvSpPr/>
-          <p:nvPr/>
-        </p:nvSpPr>
-        <p:spPr>
-          <a:xfrm>
-            <a:off x="0" y="-1"/>
-            <a:ext cx="12192000" cy="6858001"/>
-          </a:xfrm>
-          <a:prstGeom prst="rect">
-            <a:avLst/>
-          </a:prstGeom>
-          <a:solidFill>
-            <a:srgbClr val="9575CD"/>
-          </a:solidFill>
-          <a:ln>
-            <a:solidFill>
-              <a:srgbClr val="9575CD"/>
-            </a:solidFill>
-          </a:ln>
-        </p:spPr>
-        <p:style>
-          <a:lnRef idx="2">
-            <a:schemeClr val="accent1">
-              <a:shade val="50000"/>
-            </a:schemeClr>
-          </a:lnRef>
-          <a:fillRef idx="1">
-            <a:schemeClr val="accent1"/>
-          </a:fillRef>
-          <a:effectRef idx="0">
-            <a:schemeClr val="accent1"/>
-          </a:effectRef>
-          <a:fontRef idx="minor">
-            <a:schemeClr val="lt1"/>
-          </a:fontRef>
-        </p:style>
-        <p:txBody>
-          <a:bodyPr rtlCol="0" anchor="ctr"/>
-          <a:lstStyle/>
-          <a:p>
-            <a:pPr algn="ctr"/>
-            <a:endParaRPr lang="ru-RU" sz="2000" dirty="0"/>
-          </a:p>
-        </p:txBody>
-      </p:sp>
-      <p:sp>
-        <p:nvSpPr>
-          <p:cNvPr id="2" name="Заголовок 1">
-            <a:extLst>
-              <a:ext uri="{FF2B5EF4-FFF2-40B4-BE49-F238E27FC236}">
-                <a16:creationId xmlns:a16="http://schemas.microsoft.com/office/drawing/2014/main" id="{BAD75180-431E-4561-A675-F52C67D811D3}"/>
-              </a:ext>
-            </a:extLst>
-          </p:cNvPr>
-          <p:cNvSpPr>
-            <a:spLocks noGrp="1"/>
-          </p:cNvSpPr>
-          <p:nvPr>
-            <p:ph type="ctrTitle"/>
-          </p:nvPr>
-        </p:nvSpPr>
-        <p:spPr>
-          <a:xfrm>
-            <a:off x="406392" y="463357"/>
-            <a:ext cx="9740907" cy="859127"/>
-          </a:xfrm>
-        </p:spPr>
-        <p:txBody>
-          <a:bodyPr/>
-          <a:lstStyle/>
-          <a:p>
-            <a:pPr algn="l"/>
-            <a:r>
-              <a:rPr lang="ru-RU" sz="5400" b="1" dirty="0">
-                <a:solidFill>
-                  <a:schemeClr val="bg1"/>
-                </a:solidFill>
-              </a:rPr>
-              <a:t>Преимущества проекта</a:t>
-            </a:r>
-          </a:p>
-        </p:txBody>
-      </p:sp>
-      <p:sp>
-        <p:nvSpPr>
-          <p:cNvPr id="6" name="TextBox 5">
-            <a:extLst>
-              <a:ext uri="{FF2B5EF4-FFF2-40B4-BE49-F238E27FC236}">
-                <a16:creationId xmlns:a16="http://schemas.microsoft.com/office/drawing/2014/main" id="{68A33B11-D633-4361-AD61-5C8096895A7E}"/>
-              </a:ext>
-            </a:extLst>
-          </p:cNvPr>
-          <p:cNvSpPr txBox="1"/>
-          <p:nvPr/>
-        </p:nvSpPr>
-        <p:spPr>
-          <a:xfrm>
-            <a:off x="406387" y="2222650"/>
-            <a:ext cx="9416063" cy="523220"/>
-          </a:xfrm>
-          <a:prstGeom prst="rect">
-            <a:avLst/>
-          </a:prstGeom>
-          <a:noFill/>
-        </p:spPr>
-        <p:txBody>
-          <a:bodyPr wrap="square" rtlCol="0">
-            <a:spAutoFit/>
-          </a:bodyPr>
-          <a:lstStyle/>
-          <a:p>
-            <a:pPr marL="457200" indent="-457200">
-              <a:buFont typeface="Wingdings" panose="05000000000000000000" pitchFamily="2" charset="2"/>
-              <a:buChar char="Ø"/>
-            </a:pPr>
-            <a:r>
-              <a:rPr lang="ru-RU" sz="2800" dirty="0">
-                <a:solidFill>
-                  <a:schemeClr val="bg1"/>
-                </a:solidFill>
-                <a:latin typeface="Verdana" panose="020B0604030504040204" pitchFamily="34" charset="0"/>
-                <a:ea typeface="Verdana" panose="020B0604030504040204" pitchFamily="34" charset="0"/>
-              </a:rPr>
-              <a:t>Структурированный учебный материал</a:t>
-            </a:r>
-          </a:p>
-        </p:txBody>
-      </p:sp>
-      <p:sp>
-        <p:nvSpPr>
-          <p:cNvPr id="7" name="TextBox 6">
-            <a:extLst>
-              <a:ext uri="{FF2B5EF4-FFF2-40B4-BE49-F238E27FC236}">
-                <a16:creationId xmlns:a16="http://schemas.microsoft.com/office/drawing/2014/main" id="{2E64F0E2-E55C-43B0-99EF-93AAC9A9E4DC}"/>
-              </a:ext>
-            </a:extLst>
-          </p:cNvPr>
-          <p:cNvSpPr txBox="1"/>
-          <p:nvPr/>
-        </p:nvSpPr>
-        <p:spPr>
-          <a:xfrm>
-            <a:off x="406388" y="5157519"/>
-            <a:ext cx="9416063" cy="523220"/>
-          </a:xfrm>
-          <a:prstGeom prst="rect">
-            <a:avLst/>
-          </a:prstGeom>
-          <a:noFill/>
-        </p:spPr>
-        <p:txBody>
-          <a:bodyPr wrap="square" rtlCol="0">
-            <a:spAutoFit/>
-          </a:bodyPr>
-          <a:lstStyle/>
-          <a:p>
-            <a:pPr marL="457200" indent="-457200">
-              <a:buFont typeface="Wingdings" panose="05000000000000000000" pitchFamily="2" charset="2"/>
-              <a:buChar char="Ø"/>
-            </a:pPr>
-            <a:r>
-              <a:rPr lang="ru-RU" sz="2800" dirty="0">
-                <a:solidFill>
-                  <a:schemeClr val="bg1"/>
-                </a:solidFill>
-                <a:latin typeface="Verdana" panose="020B0604030504040204" pitchFamily="34" charset="0"/>
-                <a:ea typeface="Verdana" panose="020B0604030504040204" pitchFamily="34" charset="0"/>
-              </a:rPr>
-              <a:t>Эффективный контроль успеваемости</a:t>
-            </a:r>
-          </a:p>
-        </p:txBody>
-      </p:sp>
-      <p:sp>
-        <p:nvSpPr>
-          <p:cNvPr id="8" name="TextBox 7">
-            <a:extLst>
-              <a:ext uri="{FF2B5EF4-FFF2-40B4-BE49-F238E27FC236}">
-                <a16:creationId xmlns:a16="http://schemas.microsoft.com/office/drawing/2014/main" id="{724F13F0-2EB3-4D9C-B421-D79EA6945265}"/>
-              </a:ext>
-            </a:extLst>
-          </p:cNvPr>
-          <p:cNvSpPr txBox="1"/>
-          <p:nvPr/>
-        </p:nvSpPr>
-        <p:spPr>
-          <a:xfrm>
-            <a:off x="406386" y="3678520"/>
-            <a:ext cx="9416063" cy="523220"/>
-          </a:xfrm>
-          <a:prstGeom prst="rect">
-            <a:avLst/>
-          </a:prstGeom>
-          <a:noFill/>
-        </p:spPr>
-        <p:txBody>
-          <a:bodyPr wrap="square" rtlCol="0">
-            <a:spAutoFit/>
-          </a:bodyPr>
-          <a:lstStyle/>
-          <a:p>
-            <a:pPr marL="457200" indent="-457200">
-              <a:buFont typeface="Wingdings" panose="05000000000000000000" pitchFamily="2" charset="2"/>
-              <a:buChar char="Ø"/>
-            </a:pPr>
-            <a:r>
-              <a:rPr lang="ru-RU" sz="2800" dirty="0">
-                <a:solidFill>
-                  <a:schemeClr val="bg1"/>
-                </a:solidFill>
-                <a:latin typeface="Verdana" panose="020B0604030504040204" pitchFamily="34" charset="0"/>
-                <a:ea typeface="Verdana" panose="020B0604030504040204" pitchFamily="34" charset="0"/>
-              </a:rPr>
-              <a:t>Отслеживание прогресса</a:t>
-            </a:r>
-          </a:p>
-        </p:txBody>
-      </p:sp>
-      <p:sp>
-        <p:nvSpPr>
-          <p:cNvPr id="9" name="TextBox 8">
-            <a:extLst>
-              <a:ext uri="{FF2B5EF4-FFF2-40B4-BE49-F238E27FC236}">
-                <a16:creationId xmlns:a16="http://schemas.microsoft.com/office/drawing/2014/main" id="{901DF053-1637-4184-AF14-85CA5CD0BAA0}"/>
-              </a:ext>
-            </a:extLst>
-          </p:cNvPr>
-          <p:cNvSpPr txBox="1"/>
-          <p:nvPr/>
-        </p:nvSpPr>
-        <p:spPr>
-          <a:xfrm>
-            <a:off x="11179278" y="6211669"/>
-            <a:ext cx="1012722" cy="646331"/>
-          </a:xfrm>
-          <a:prstGeom prst="rect">
-            <a:avLst/>
-          </a:prstGeom>
-          <a:noFill/>
-        </p:spPr>
-        <p:txBody>
-          <a:bodyPr wrap="square" rtlCol="0">
-            <a:spAutoFit/>
-          </a:bodyPr>
-          <a:lstStyle/>
-          <a:p>
-            <a:r>
-              <a:rPr lang="ru-RU" sz="3600" dirty="0">
-                <a:solidFill>
-                  <a:schemeClr val="bg1"/>
-                </a:solidFill>
-                <a:latin typeface="Verdana" panose="020B0604030504040204" pitchFamily="34" charset="0"/>
-                <a:ea typeface="Verdana" panose="020B0604030504040204" pitchFamily="34" charset="0"/>
-              </a:rPr>
-              <a:t>8</a:t>
-            </a:r>
-            <a:r>
-              <a:rPr lang="en-US" sz="3600" dirty="0">
-                <a:solidFill>
-                  <a:schemeClr val="bg1"/>
-                </a:solidFill>
-                <a:latin typeface="Verdana" panose="020B0604030504040204" pitchFamily="34" charset="0"/>
-                <a:ea typeface="Verdana" panose="020B0604030504040204" pitchFamily="34" charset="0"/>
-              </a:rPr>
-              <a:t>/9</a:t>
-            </a:r>
-            <a:endParaRPr lang="ru-RU" sz="3600" dirty="0">
-              <a:solidFill>
-                <a:schemeClr val="bg1"/>
-              </a:solidFill>
-              <a:latin typeface="Verdana" panose="020B0604030504040204" pitchFamily="34" charset="0"/>
-              <a:ea typeface="Verdana" panose="020B0604030504040204" pitchFamily="34" charset="0"/>
-            </a:endParaRPr>
-          </a:p>
-        </p:txBody>
-      </p:sp>
-    </p:spTree>
-    <p:extLst>
-      <p:ext uri="{BB962C8B-B14F-4D97-AF65-F5344CB8AC3E}">
-        <p14:creationId xmlns:p14="http://schemas.microsoft.com/office/powerpoint/2010/main" val="1454140395"/>
-      </p:ext>
-    </p:extLst>
-  </p:cSld>
-  <p:clrMapOvr>
-    <a:masterClrMapping/>
-  </p:clrMapOvr>
-</p:sld>
-</file>
-
 <file path=ppt/slides/slide9.xml><?xml version="1.0" encoding="utf-8"?>
 <p:sld xmlns:a="http://schemas.openxmlformats.org/drawingml/2006/main" xmlns:r="http://schemas.openxmlformats.org/officeDocument/2006/relationships" xmlns:p="http://schemas.openxmlformats.org/presentationml/2006/main">
   <p:cSld>
@@ -6112,8 +7258,8 @@
         </p:nvSpPr>
         <p:spPr>
           <a:xfrm>
-            <a:off x="406393" y="463357"/>
-            <a:ext cx="7531100" cy="859127"/>
+            <a:off x="406386" y="407744"/>
+            <a:ext cx="9740907" cy="859127"/>
           </a:xfrm>
         </p:spPr>
         <p:txBody>
@@ -6127,78 +7273,17 @@
                   <a:schemeClr val="bg1"/>
                 </a:solidFill>
               </a:rPr>
-              <a:t>Заключение</a:t>
-            </a:r>
-          </a:p>
-        </p:txBody>
-      </p:sp>
-      <p:sp>
-        <p:nvSpPr>
-          <p:cNvPr id="9" name="Прямоугольник: скругленные углы 8">
-            <a:extLst>
-              <a:ext uri="{FF2B5EF4-FFF2-40B4-BE49-F238E27FC236}">
-                <a16:creationId xmlns:a16="http://schemas.microsoft.com/office/drawing/2014/main" id="{31EF9177-AA97-4127-9D72-374304CDC67F}"/>
-              </a:ext>
-            </a:extLst>
-          </p:cNvPr>
-          <p:cNvSpPr/>
-          <p:nvPr/>
-        </p:nvSpPr>
-        <p:spPr>
-          <a:xfrm>
-            <a:off x="406393" y="1646142"/>
-            <a:ext cx="11597966" cy="4094258"/>
-          </a:xfrm>
-          <a:prstGeom prst="roundRect">
-            <a:avLst/>
-          </a:prstGeom>
-          <a:solidFill>
-            <a:srgbClr val="9575CD"/>
-          </a:solidFill>
-          <a:ln>
-            <a:solidFill>
-              <a:schemeClr val="bg1"/>
-            </a:solidFill>
-          </a:ln>
-          <a:effectLst/>
-        </p:spPr>
-        <p:style>
-          <a:lnRef idx="2">
-            <a:schemeClr val="accent1">
-              <a:shade val="50000"/>
-            </a:schemeClr>
-          </a:lnRef>
-          <a:fillRef idx="1">
-            <a:schemeClr val="accent1"/>
-          </a:fillRef>
-          <a:effectRef idx="0">
-            <a:schemeClr val="accent1"/>
-          </a:effectRef>
-          <a:fontRef idx="minor">
-            <a:schemeClr val="lt1"/>
-          </a:fontRef>
-        </p:style>
-        <p:txBody>
-          <a:bodyPr rtlCol="0" anchor="ctr"/>
-          <a:lstStyle/>
-          <a:p>
-            <a:pPr algn="ctr"/>
-            <a:r>
-              <a:rPr lang="ru-RU" sz="4000" dirty="0">
-                <a:latin typeface="Verdana" panose="020B0604030504040204" pitchFamily="34" charset="0"/>
-                <a:ea typeface="Verdana" panose="020B0604030504040204" pitchFamily="34" charset="0"/>
-              </a:rPr>
-              <a:t>ПОСТАВЛЕННАЯ ЦЕЛЬ И ВСЕ КОМПЕТЕНЦИИ ЗАКРЫТЫ</a:t>
-            </a:r>
-          </a:p>
-        </p:txBody>
-      </p:sp>
-      <p:sp>
-        <p:nvSpPr>
-          <p:cNvPr id="10" name="TextBox 9">
-            <a:extLst>
-              <a:ext uri="{FF2B5EF4-FFF2-40B4-BE49-F238E27FC236}">
-                <a16:creationId xmlns:a16="http://schemas.microsoft.com/office/drawing/2014/main" id="{A685F654-1002-43A1-BC6A-6C57BBB5B8C2}"/>
+              <a:t>Преимущества проекта</a:t>
+            </a:r>
+          </a:p>
+        </p:txBody>
+      </p:sp>
+      <p:sp>
+        <p:nvSpPr>
+          <p:cNvPr id="6" name="TextBox 5">
+            <a:extLst>
+              <a:ext uri="{FF2B5EF4-FFF2-40B4-BE49-F238E27FC236}">
+                <a16:creationId xmlns:a16="http://schemas.microsoft.com/office/drawing/2014/main" id="{68A33B11-D633-4361-AD61-5C8096895A7E}"/>
               </a:ext>
             </a:extLst>
           </p:cNvPr>
@@ -6207,8 +7292,8 @@
         </p:nvSpPr>
         <p:spPr>
           <a:xfrm>
-            <a:off x="11179278" y="6211669"/>
-            <a:ext cx="1012722" cy="646331"/>
+            <a:off x="406386" y="2071781"/>
+            <a:ext cx="9416063" cy="523220"/>
           </a:xfrm>
           <a:prstGeom prst="rect">
             <a:avLst/>
@@ -6221,15 +7306,150 @@
           </a:bodyPr>
           <a:lstStyle/>
           <a:p>
-            <a:r>
-              <a:rPr lang="ru-RU" sz="3600" dirty="0">
+            <a:pPr marL="457200" indent="-457200">
+              <a:buFont typeface="Wingdings" panose="05000000000000000000" pitchFamily="2" charset="2"/>
+              <a:buChar char="Ø"/>
+            </a:pPr>
+            <a:r>
+              <a:rPr lang="ru-RU" sz="2800" dirty="0">
                 <a:solidFill>
                   <a:schemeClr val="bg1"/>
                 </a:solidFill>
                 <a:latin typeface="Verdana" panose="020B0604030504040204" pitchFamily="34" charset="0"/>
                 <a:ea typeface="Verdana" panose="020B0604030504040204" pitchFamily="34" charset="0"/>
               </a:rPr>
-              <a:t>9</a:t>
+              <a:t>Структурированный учебный материал</a:t>
+            </a:r>
+          </a:p>
+        </p:txBody>
+      </p:sp>
+      <p:sp>
+        <p:nvSpPr>
+          <p:cNvPr id="7" name="TextBox 6">
+            <a:extLst>
+              <a:ext uri="{FF2B5EF4-FFF2-40B4-BE49-F238E27FC236}">
+                <a16:creationId xmlns:a16="http://schemas.microsoft.com/office/drawing/2014/main" id="{2E64F0E2-E55C-43B0-99EF-93AAC9A9E4DC}"/>
+              </a:ext>
+            </a:extLst>
+          </p:cNvPr>
+          <p:cNvSpPr txBox="1"/>
+          <p:nvPr/>
+        </p:nvSpPr>
+        <p:spPr>
+          <a:xfrm>
+            <a:off x="406387" y="5006650"/>
+            <a:ext cx="9416063" cy="523220"/>
+          </a:xfrm>
+          <a:prstGeom prst="rect">
+            <a:avLst/>
+          </a:prstGeom>
+          <a:noFill/>
+        </p:spPr>
+        <p:txBody>
+          <a:bodyPr wrap="square" rtlCol="0">
+            <a:spAutoFit/>
+          </a:bodyPr>
+          <a:lstStyle/>
+          <a:p>
+            <a:pPr marL="457200" indent="-457200">
+              <a:buFont typeface="Wingdings" panose="05000000000000000000" pitchFamily="2" charset="2"/>
+              <a:buChar char="Ø"/>
+            </a:pPr>
+            <a:r>
+              <a:rPr lang="ru-RU" sz="2800" dirty="0">
+                <a:solidFill>
+                  <a:schemeClr val="bg1"/>
+                </a:solidFill>
+                <a:latin typeface="Verdana" panose="020B0604030504040204" pitchFamily="34" charset="0"/>
+                <a:ea typeface="Verdana" panose="020B0604030504040204" pitchFamily="34" charset="0"/>
+              </a:rPr>
+              <a:t>Эффективный контроль успеваемости</a:t>
+            </a:r>
+          </a:p>
+        </p:txBody>
+      </p:sp>
+      <p:sp>
+        <p:nvSpPr>
+          <p:cNvPr id="8" name="TextBox 7">
+            <a:extLst>
+              <a:ext uri="{FF2B5EF4-FFF2-40B4-BE49-F238E27FC236}">
+                <a16:creationId xmlns:a16="http://schemas.microsoft.com/office/drawing/2014/main" id="{724F13F0-2EB3-4D9C-B421-D79EA6945265}"/>
+              </a:ext>
+            </a:extLst>
+          </p:cNvPr>
+          <p:cNvSpPr txBox="1"/>
+          <p:nvPr/>
+        </p:nvSpPr>
+        <p:spPr>
+          <a:xfrm>
+            <a:off x="406385" y="3527651"/>
+            <a:ext cx="9416063" cy="523220"/>
+          </a:xfrm>
+          <a:prstGeom prst="rect">
+            <a:avLst/>
+          </a:prstGeom>
+          <a:noFill/>
+        </p:spPr>
+        <p:txBody>
+          <a:bodyPr wrap="square" rtlCol="0">
+            <a:spAutoFit/>
+          </a:bodyPr>
+          <a:lstStyle/>
+          <a:p>
+            <a:pPr marL="457200" indent="-457200">
+              <a:buFont typeface="Wingdings" panose="05000000000000000000" pitchFamily="2" charset="2"/>
+              <a:buChar char="Ø"/>
+            </a:pPr>
+            <a:r>
+              <a:rPr lang="ru-RU" sz="2800" dirty="0">
+                <a:solidFill>
+                  <a:schemeClr val="bg1"/>
+                </a:solidFill>
+                <a:latin typeface="Verdana" panose="020B0604030504040204" pitchFamily="34" charset="0"/>
+                <a:ea typeface="Verdana" panose="020B0604030504040204" pitchFamily="34" charset="0"/>
+              </a:rPr>
+              <a:t>Отслеживание прогресса</a:t>
+            </a:r>
+          </a:p>
+        </p:txBody>
+      </p:sp>
+      <p:sp>
+        <p:nvSpPr>
+          <p:cNvPr id="9" name="TextBox 8">
+            <a:extLst>
+              <a:ext uri="{FF2B5EF4-FFF2-40B4-BE49-F238E27FC236}">
+                <a16:creationId xmlns:a16="http://schemas.microsoft.com/office/drawing/2014/main" id="{901DF053-1637-4184-AF14-85CA5CD0BAA0}"/>
+              </a:ext>
+            </a:extLst>
+          </p:cNvPr>
+          <p:cNvSpPr txBox="1"/>
+          <p:nvPr/>
+        </p:nvSpPr>
+        <p:spPr>
+          <a:xfrm>
+            <a:off x="11179278" y="6211669"/>
+            <a:ext cx="1012722" cy="646331"/>
+          </a:xfrm>
+          <a:prstGeom prst="rect">
+            <a:avLst/>
+          </a:prstGeom>
+          <a:noFill/>
+        </p:spPr>
+        <p:txBody>
+          <a:bodyPr wrap="square" rtlCol="0">
+            <a:spAutoFit/>
+          </a:bodyPr>
+          <a:lstStyle/>
+          <a:p>
+            <a:r>
+              <a:rPr lang="ru-RU" sz="3600" dirty="0">
+                <a:solidFill>
+                  <a:schemeClr val="bg1"/>
+                </a:solidFill>
+                <a:latin typeface="Verdana" panose="020B0604030504040204" pitchFamily="34" charset="0"/>
+                <a:ea typeface="Verdana" panose="020B0604030504040204" pitchFamily="34" charset="0"/>
+              </a:rPr>
+              <a:t>8</a:t>
             </a:r>
             <a:r>
               <a:rPr lang="en-US" sz="3600" dirty="0">
@@ -6254,7 +7474,7 @@
     </p:spTree>
     <p:extLst>
       <p:ext uri="{BB962C8B-B14F-4D97-AF65-F5344CB8AC3E}">
-        <p14:creationId xmlns:p14="http://schemas.microsoft.com/office/powerpoint/2010/main" val="2210782348"/>
+        <p14:creationId xmlns:p14="http://schemas.microsoft.com/office/powerpoint/2010/main" val="1454140395"/>
       </p:ext>
     </p:extLst>
   </p:cSld>

--- a/Edu_presentation.pptx
+++ b/Edu_presentation.pptx
@@ -2522,7 +2522,7 @@
                 <a:latin typeface="Verdana" panose="020B0604030504040204" pitchFamily="34" charset="0"/>
                 <a:ea typeface="Verdana" panose="020B0604030504040204" pitchFamily="34" charset="0"/>
               </a:rPr>
-              <a:t>ПОСТАВЛЕННАЯ ЦЕЛЬ И ВСЕ КОМПЕТЕНЦИИ ЗАКРЫТЫ</a:t>
+              <a:t>ПОСТАВЛЕННАЯ ЦЕЛЬ И ЗАДАЧИ ВЫПОЛНЕНЫ</a:t>
             </a:r>
           </a:p>
         </p:txBody>
@@ -3264,7 +3264,7 @@
         </p:nvSpPr>
         <p:spPr>
           <a:xfrm>
-            <a:off x="387348" y="1960779"/>
+            <a:off x="387348" y="2043907"/>
             <a:ext cx="7767784" cy="523220"/>
           </a:xfrm>
           <a:prstGeom prst="rect">
@@ -3278,6 +3278,10 @@
           </a:bodyPr>
           <a:lstStyle/>
           <a:p>
+            <a:pPr marL="457200" indent="-457200">
+              <a:buFont typeface="Wingdings" panose="05000000000000000000" pitchFamily="2" charset="2"/>
+              <a:buChar char="Ø"/>
+            </a:pPr>
             <a:r>
               <a:rPr lang="ru-RU" sz="2800" dirty="0">
                 <a:solidFill>
@@ -3305,7 +3309,7 @@
         </p:nvSpPr>
         <p:spPr>
           <a:xfrm>
-            <a:off x="387348" y="3010484"/>
+            <a:off x="387348" y="3093612"/>
             <a:ext cx="9707420" cy="523220"/>
           </a:xfrm>
           <a:prstGeom prst="rect">
@@ -3319,6 +3323,10 @@
           </a:bodyPr>
           <a:lstStyle/>
           <a:p>
+            <a:pPr marL="457200" indent="-457200">
+              <a:buFont typeface="Wingdings" panose="05000000000000000000" pitchFamily="2" charset="2"/>
+              <a:buChar char="Ø"/>
+            </a:pPr>
             <a:r>
               <a:rPr lang="ru-RU" sz="2800" dirty="0">
                 <a:solidFill>
@@ -3346,8 +3354,8 @@
         </p:nvSpPr>
         <p:spPr>
           <a:xfrm>
-            <a:off x="582468" y="3533704"/>
-            <a:ext cx="8802832" cy="1679627"/>
+            <a:off x="998103" y="3603772"/>
+            <a:ext cx="9291205" cy="1679627"/>
           </a:xfrm>
           <a:prstGeom prst="rect">
             <a:avLst/>
@@ -4542,7 +4550,7 @@
           </a:fontRef>
         </p:style>
         <p:txBody>
-          <a:bodyPr rtlCol="0" anchor="ctr"/>
+          <a:bodyPr rtlCol="0" anchor="b"/>
           <a:lstStyle/>
           <a:p>
             <a:pPr algn="ctr"/>
@@ -4568,12 +4576,12 @@
         </p:nvSpPr>
         <p:spPr>
           <a:xfrm>
-            <a:off x="0" y="134552"/>
+            <a:off x="314325" y="161624"/>
             <a:ext cx="8636007" cy="859127"/>
           </a:xfrm>
         </p:spPr>
         <p:txBody>
-          <a:bodyPr/>
+          <a:bodyPr anchor="b"/>
           <a:lstStyle/>
           <a:p>
             <a:pPr algn="l"/>
@@ -4617,7 +4625,7 @@
         </p:blipFill>
         <p:spPr bwMode="auto">
           <a:xfrm>
-            <a:off x="9915954" y="1868799"/>
+            <a:off x="9516279" y="1784215"/>
             <a:ext cx="1349119" cy="1449801"/>
           </a:xfrm>
           <a:prstGeom prst="rect">
@@ -4672,8 +4680,8 @@
         </p:blipFill>
         <p:spPr bwMode="auto">
           <a:xfrm flipH="1" flipV="1">
-            <a:off x="5313798" y="1958109"/>
-            <a:ext cx="1872812" cy="1170500"/>
+            <a:off x="5071486" y="1868799"/>
+            <a:ext cx="2049027" cy="1280634"/>
           </a:xfrm>
           <a:prstGeom prst="rect">
             <a:avLst/>
@@ -4700,10 +4708,10 @@
       </p:pic>
       <p:pic>
         <p:nvPicPr>
-          <p:cNvPr id="1036" name="Picture 12" descr="Picture background">
-            <a:extLst>
-              <a:ext uri="{FF2B5EF4-FFF2-40B4-BE49-F238E27FC236}">
-                <a16:creationId xmlns:a16="http://schemas.microsoft.com/office/drawing/2014/main" id="{94892BE9-430E-4D9E-8091-B5637179B72C}"/>
+          <p:cNvPr id="1038" name="Picture 14">
+            <a:extLst>
+              <a:ext uri="{FF2B5EF4-FFF2-40B4-BE49-F238E27FC236}">
+                <a16:creationId xmlns:a16="http://schemas.microsoft.com/office/drawing/2014/main" id="{D00749DB-3BCA-4BE5-8F01-741EE710BE54}"/>
               </a:ext>
             </a:extLst>
           </p:cNvPr>
@@ -4727,8 +4735,223 @@
         </p:blipFill>
         <p:spPr bwMode="auto">
           <a:xfrm>
-            <a:off x="841053" y="1958109"/>
-            <a:ext cx="1936970" cy="1001019"/>
+            <a:off x="5401586" y="4427044"/>
+            <a:ext cx="1388828" cy="1388828"/>
+          </a:xfrm>
+          <a:prstGeom prst="rect">
+            <a:avLst/>
+          </a:prstGeom>
+          <a:noFill/>
+          <a:effectLst>
+            <a:outerShdw blurRad="1270000" dist="50800" dir="5400000" sx="135000" sy="135000" algn="ctr" rotWithShape="0">
+              <a:schemeClr val="accent5">
+                <a:lumMod val="60000"/>
+                <a:lumOff val="40000"/>
+              </a:schemeClr>
+            </a:outerShdw>
+            <a:softEdge rad="0"/>
+          </a:effectLst>
+        </p:spPr>
+      </p:pic>
+      <p:pic>
+        <p:nvPicPr>
+          <p:cNvPr id="1040" name="Picture 16" descr="Picture background">
+            <a:extLst>
+              <a:ext uri="{FF2B5EF4-FFF2-40B4-BE49-F238E27FC236}">
+                <a16:creationId xmlns:a16="http://schemas.microsoft.com/office/drawing/2014/main" id="{163F9C1F-4BC7-43A2-94EC-6FB074D4E6E0}"/>
+              </a:ext>
+            </a:extLst>
+          </p:cNvPr>
+          <p:cNvPicPr>
+            <a:picLocks noChangeAspect="1" noChangeArrowheads="1"/>
+          </p:cNvPicPr>
+          <p:nvPr/>
+        </p:nvPicPr>
+        <p:blipFill>
+          <a:blip r:embed="rId6">
+            <a:extLst>
+              <a:ext uri="{28A0092B-C50C-407E-A947-70E740481C1C}">
+                <a14:useLocalDpi xmlns:a14="http://schemas.microsoft.com/office/drawing/2010/main" val="0"/>
+              </a:ext>
+            </a:extLst>
+          </a:blip>
+          <a:srcRect/>
+          <a:stretch>
+            <a:fillRect/>
+          </a:stretch>
+        </p:blipFill>
+        <p:spPr bwMode="auto">
+          <a:xfrm>
+            <a:off x="9496425" y="4427044"/>
+            <a:ext cx="1388828" cy="1388828"/>
+          </a:xfrm>
+          <a:prstGeom prst="rect">
+            <a:avLst/>
+          </a:prstGeom>
+          <a:noFill/>
+          <a:effectLst>
+            <a:outerShdw blurRad="1270000" dist="50800" dir="5400000" sx="135000" sy="135000" algn="ctr" rotWithShape="0">
+              <a:schemeClr val="accent5">
+                <a:lumMod val="60000"/>
+                <a:lumOff val="40000"/>
+              </a:schemeClr>
+            </a:outerShdw>
+          </a:effectLst>
+          <a:extLst>
+            <a:ext uri="{909E8E84-426E-40DD-AFC4-6F175D3DCCD1}">
+              <a14:hiddenFill xmlns:a14="http://schemas.microsoft.com/office/drawing/2010/main">
+                <a:solidFill>
+                  <a:srgbClr val="FFFFFF"/>
+                </a:solidFill>
+              </a14:hiddenFill>
+            </a:ext>
+          </a:extLst>
+        </p:spPr>
+      </p:pic>
+      <p:sp>
+        <p:nvSpPr>
+          <p:cNvPr id="43" name="TextBox 42">
+            <a:extLst>
+              <a:ext uri="{FF2B5EF4-FFF2-40B4-BE49-F238E27FC236}">
+                <a16:creationId xmlns:a16="http://schemas.microsoft.com/office/drawing/2014/main" id="{78E6945D-4BD4-4350-8A4F-46FC7DD16881}"/>
+              </a:ext>
+            </a:extLst>
+          </p:cNvPr>
+          <p:cNvSpPr txBox="1"/>
+          <p:nvPr/>
+        </p:nvSpPr>
+        <p:spPr>
+          <a:xfrm>
+            <a:off x="11179278" y="6211669"/>
+            <a:ext cx="1012722" cy="646331"/>
+          </a:xfrm>
+          <a:prstGeom prst="rect">
+            <a:avLst/>
+          </a:prstGeom>
+          <a:noFill/>
+        </p:spPr>
+        <p:txBody>
+          <a:bodyPr wrap="square" rtlCol="0" anchor="b">
+            <a:spAutoFit/>
+          </a:bodyPr>
+          <a:lstStyle/>
+          <a:p>
+            <a:r>
+              <a:rPr lang="ru-RU" sz="3600" dirty="0">
+                <a:solidFill>
+                  <a:schemeClr val="bg1"/>
+                </a:solidFill>
+                <a:latin typeface="Verdana" panose="020B0604030504040204" pitchFamily="34" charset="0"/>
+                <a:ea typeface="Verdana" panose="020B0604030504040204" pitchFamily="34" charset="0"/>
+              </a:rPr>
+              <a:t>6</a:t>
+            </a:r>
+            <a:r>
+              <a:rPr lang="en-US" sz="3600" dirty="0">
+                <a:solidFill>
+                  <a:schemeClr val="bg1"/>
+                </a:solidFill>
+                <a:latin typeface="Verdana" panose="020B0604030504040204" pitchFamily="34" charset="0"/>
+                <a:ea typeface="Verdana" panose="020B0604030504040204" pitchFamily="34" charset="0"/>
+              </a:rPr>
+              <a:t>/9</a:t>
+            </a:r>
+            <a:endParaRPr lang="ru-RU" sz="3600" dirty="0">
+              <a:solidFill>
+                <a:schemeClr val="bg1"/>
+              </a:solidFill>
+              <a:latin typeface="Verdana" panose="020B0604030504040204" pitchFamily="34" charset="0"/>
+              <a:ea typeface="Verdana" panose="020B0604030504040204" pitchFamily="34" charset="0"/>
+            </a:endParaRPr>
+          </a:p>
+        </p:txBody>
+      </p:sp>
+      <p:pic>
+        <p:nvPicPr>
+          <p:cNvPr id="6" name="Picture 14" descr="Mysql workbench Icon">
+            <a:extLst>
+              <a:ext uri="{FF2B5EF4-FFF2-40B4-BE49-F238E27FC236}">
+                <a16:creationId xmlns:a16="http://schemas.microsoft.com/office/drawing/2014/main" id="{B888169B-2212-45D0-BB5C-06222686A255}"/>
+              </a:ext>
+            </a:extLst>
+          </p:cNvPr>
+          <p:cNvPicPr>
+            <a:picLocks noChangeAspect="1" noChangeArrowheads="1"/>
+          </p:cNvPicPr>
+          <p:nvPr/>
+        </p:nvPicPr>
+        <p:blipFill>
+          <a:blip r:embed="rId7">
+            <a:extLst>
+              <a:ext uri="{28A0092B-C50C-407E-A947-70E740481C1C}">
+                <a14:useLocalDpi xmlns:a14="http://schemas.microsoft.com/office/drawing/2010/main" val="0"/>
+              </a:ext>
+            </a:extLst>
+          </a:blip>
+          <a:srcRect/>
+          <a:stretch>
+            <a:fillRect/>
+          </a:stretch>
+        </p:blipFill>
+        <p:spPr bwMode="auto">
+          <a:xfrm>
+            <a:off x="1101919" y="4324630"/>
+            <a:ext cx="1593656" cy="1593656"/>
+          </a:xfrm>
+          <a:prstGeom prst="rect">
+            <a:avLst/>
+          </a:prstGeom>
+          <a:noFill/>
+          <a:effectLst>
+            <a:outerShdw blurRad="1270000" dist="50800" dir="5400000" sx="135000" sy="135000" algn="ctr" rotWithShape="0">
+              <a:schemeClr val="accent5">
+                <a:lumMod val="60000"/>
+                <a:lumOff val="40000"/>
+              </a:schemeClr>
+            </a:outerShdw>
+          </a:effectLst>
+          <a:extLst>
+            <a:ext uri="{909E8E84-426E-40DD-AFC4-6F175D3DCCD1}">
+              <a14:hiddenFill xmlns:a14="http://schemas.microsoft.com/office/drawing/2010/main">
+                <a:solidFill>
+                  <a:srgbClr val="FFFFFF"/>
+                </a:solidFill>
+              </a14:hiddenFill>
+            </a:ext>
+          </a:extLst>
+        </p:spPr>
+      </p:pic>
+      <p:pic>
+        <p:nvPicPr>
+          <p:cNvPr id="1036" name="Picture 12" descr="Picture background">
+            <a:extLst>
+              <a:ext uri="{FF2B5EF4-FFF2-40B4-BE49-F238E27FC236}">
+                <a16:creationId xmlns:a16="http://schemas.microsoft.com/office/drawing/2014/main" id="{94892BE9-430E-4D9E-8091-B5637179B72C}"/>
+              </a:ext>
+            </a:extLst>
+          </p:cNvPr>
+          <p:cNvPicPr>
+            <a:picLocks noChangeAspect="1" noChangeArrowheads="1"/>
+          </p:cNvPicPr>
+          <p:nvPr/>
+        </p:nvPicPr>
+        <p:blipFill>
+          <a:blip r:embed="rId8">
+            <a:extLst>
+              <a:ext uri="{28A0092B-C50C-407E-A947-70E740481C1C}">
+                <a14:useLocalDpi xmlns:a14="http://schemas.microsoft.com/office/drawing/2010/main" val="0"/>
+              </a:ext>
+            </a:extLst>
+          </a:blip>
+          <a:srcRect/>
+          <a:stretch>
+            <a:fillRect/>
+          </a:stretch>
+        </p:blipFill>
+        <p:spPr bwMode="auto">
+          <a:xfrm>
+            <a:off x="822003" y="1868799"/>
+            <a:ext cx="2127368" cy="1099416"/>
           </a:xfrm>
           <a:prstGeom prst="rect">
             <a:avLst/>
@@ -4753,593 +4976,6 @@
           </a:extLst>
         </p:spPr>
       </p:pic>
-      <p:pic>
-        <p:nvPicPr>
-          <p:cNvPr id="1038" name="Picture 14">
-            <a:extLst>
-              <a:ext uri="{FF2B5EF4-FFF2-40B4-BE49-F238E27FC236}">
-                <a16:creationId xmlns:a16="http://schemas.microsoft.com/office/drawing/2014/main" id="{D00749DB-3BCA-4BE5-8F01-741EE710BE54}"/>
-              </a:ext>
-            </a:extLst>
-          </p:cNvPr>
-          <p:cNvPicPr>
-            <a:picLocks noChangeAspect="1" noChangeArrowheads="1"/>
-          </p:cNvPicPr>
-          <p:nvPr/>
-        </p:nvPicPr>
-        <p:blipFill>
-          <a:blip r:embed="rId6">
-            <a:extLst>
-              <a:ext uri="{28A0092B-C50C-407E-A947-70E740481C1C}">
-                <a14:useLocalDpi xmlns:a14="http://schemas.microsoft.com/office/drawing/2010/main" val="0"/>
-              </a:ext>
-            </a:extLst>
-          </a:blip>
-          <a:srcRect/>
-          <a:stretch>
-            <a:fillRect/>
-          </a:stretch>
-        </p:blipFill>
-        <p:spPr bwMode="auto">
-          <a:xfrm>
-            <a:off x="5791124" y="4733408"/>
-            <a:ext cx="1082253" cy="1082253"/>
-          </a:xfrm>
-          <a:prstGeom prst="rect">
-            <a:avLst/>
-          </a:prstGeom>
-          <a:noFill/>
-          <a:effectLst>
-            <a:outerShdw blurRad="1270000" dist="50800" dir="5400000" sx="135000" sy="135000" algn="ctr" rotWithShape="0">
-              <a:schemeClr val="accent5">
-                <a:lumMod val="60000"/>
-                <a:lumOff val="40000"/>
-              </a:schemeClr>
-            </a:outerShdw>
-            <a:softEdge rad="0"/>
-          </a:effectLst>
-        </p:spPr>
-      </p:pic>
-      <p:pic>
-        <p:nvPicPr>
-          <p:cNvPr id="1040" name="Picture 16" descr="Picture background">
-            <a:extLst>
-              <a:ext uri="{FF2B5EF4-FFF2-40B4-BE49-F238E27FC236}">
-                <a16:creationId xmlns:a16="http://schemas.microsoft.com/office/drawing/2014/main" id="{163F9C1F-4BC7-43A2-94EC-6FB074D4E6E0}"/>
-              </a:ext>
-            </a:extLst>
-          </p:cNvPr>
-          <p:cNvPicPr>
-            <a:picLocks noChangeAspect="1" noChangeArrowheads="1"/>
-          </p:cNvPicPr>
-          <p:nvPr/>
-        </p:nvPicPr>
-        <p:blipFill>
-          <a:blip r:embed="rId7">
-            <a:extLst>
-              <a:ext uri="{28A0092B-C50C-407E-A947-70E740481C1C}">
-                <a14:useLocalDpi xmlns:a14="http://schemas.microsoft.com/office/drawing/2010/main" val="0"/>
-              </a:ext>
-            </a:extLst>
-          </a:blip>
-          <a:srcRect/>
-          <a:stretch>
-            <a:fillRect/>
-          </a:stretch>
-        </p:blipFill>
-        <p:spPr bwMode="auto">
-          <a:xfrm>
-            <a:off x="10022364" y="4733408"/>
-            <a:ext cx="1136297" cy="1136297"/>
-          </a:xfrm>
-          <a:prstGeom prst="rect">
-            <a:avLst/>
-          </a:prstGeom>
-          <a:noFill/>
-          <a:effectLst>
-            <a:outerShdw blurRad="1270000" dist="50800" dir="5400000" sx="135000" sy="135000" algn="ctr" rotWithShape="0">
-              <a:schemeClr val="accent5">
-                <a:lumMod val="60000"/>
-                <a:lumOff val="40000"/>
-              </a:schemeClr>
-            </a:outerShdw>
-          </a:effectLst>
-          <a:extLst>
-            <a:ext uri="{909E8E84-426E-40DD-AFC4-6F175D3DCCD1}">
-              <a14:hiddenFill xmlns:a14="http://schemas.microsoft.com/office/drawing/2010/main">
-                <a:solidFill>
-                  <a:srgbClr val="FFFFFF"/>
-                </a:solidFill>
-              </a14:hiddenFill>
-            </a:ext>
-          </a:extLst>
-        </p:spPr>
-      </p:pic>
-      <p:sp>
-        <p:nvSpPr>
-          <p:cNvPr id="43" name="TextBox 42">
-            <a:extLst>
-              <a:ext uri="{FF2B5EF4-FFF2-40B4-BE49-F238E27FC236}">
-                <a16:creationId xmlns:a16="http://schemas.microsoft.com/office/drawing/2014/main" id="{78E6945D-4BD4-4350-8A4F-46FC7DD16881}"/>
-              </a:ext>
-            </a:extLst>
-          </p:cNvPr>
-          <p:cNvSpPr txBox="1"/>
-          <p:nvPr/>
-        </p:nvSpPr>
-        <p:spPr>
-          <a:xfrm>
-            <a:off x="11179278" y="6211669"/>
-            <a:ext cx="1012722" cy="646331"/>
-          </a:xfrm>
-          <a:prstGeom prst="rect">
-            <a:avLst/>
-          </a:prstGeom>
-          <a:noFill/>
-        </p:spPr>
-        <p:txBody>
-          <a:bodyPr wrap="square" rtlCol="0">
-            <a:spAutoFit/>
-          </a:bodyPr>
-          <a:lstStyle/>
-          <a:p>
-            <a:r>
-              <a:rPr lang="ru-RU" sz="3600" dirty="0">
-                <a:solidFill>
-                  <a:schemeClr val="bg1"/>
-                </a:solidFill>
-                <a:latin typeface="Verdana" panose="020B0604030504040204" pitchFamily="34" charset="0"/>
-                <a:ea typeface="Verdana" panose="020B0604030504040204" pitchFamily="34" charset="0"/>
-              </a:rPr>
-              <a:t>6</a:t>
-            </a:r>
-            <a:r>
-              <a:rPr lang="en-US" sz="3600" dirty="0">
-                <a:solidFill>
-                  <a:schemeClr val="bg1"/>
-                </a:solidFill>
-                <a:latin typeface="Verdana" panose="020B0604030504040204" pitchFamily="34" charset="0"/>
-                <a:ea typeface="Verdana" panose="020B0604030504040204" pitchFamily="34" charset="0"/>
-              </a:rPr>
-              <a:t>/9</a:t>
-            </a:r>
-            <a:endParaRPr lang="ru-RU" sz="3600" dirty="0">
-              <a:solidFill>
-                <a:schemeClr val="bg1"/>
-              </a:solidFill>
-              <a:latin typeface="Verdana" panose="020B0604030504040204" pitchFamily="34" charset="0"/>
-              <a:ea typeface="Verdana" panose="020B0604030504040204" pitchFamily="34" charset="0"/>
-            </a:endParaRPr>
-          </a:p>
-        </p:txBody>
-      </p:sp>
-      <p:pic>
-        <p:nvPicPr>
-          <p:cNvPr id="6" name="Picture 14" descr="Mysql workbench Icon">
-            <a:extLst>
-              <a:ext uri="{FF2B5EF4-FFF2-40B4-BE49-F238E27FC236}">
-                <a16:creationId xmlns:a16="http://schemas.microsoft.com/office/drawing/2014/main" id="{B888169B-2212-45D0-BB5C-06222686A255}"/>
-              </a:ext>
-            </a:extLst>
-          </p:cNvPr>
-          <p:cNvPicPr>
-            <a:picLocks noChangeAspect="1" noChangeArrowheads="1"/>
-          </p:cNvPicPr>
-          <p:nvPr/>
-        </p:nvPicPr>
-        <p:blipFill>
-          <a:blip r:embed="rId8">
-            <a:extLst>
-              <a:ext uri="{28A0092B-C50C-407E-A947-70E740481C1C}">
-                <a14:useLocalDpi xmlns:a14="http://schemas.microsoft.com/office/drawing/2010/main" val="0"/>
-              </a:ext>
-            </a:extLst>
-          </a:blip>
-          <a:srcRect/>
-          <a:stretch>
-            <a:fillRect/>
-          </a:stretch>
-        </p:blipFill>
-        <p:spPr bwMode="auto">
-          <a:xfrm>
-            <a:off x="1286339" y="4509050"/>
-            <a:ext cx="1224816" cy="1224816"/>
-          </a:xfrm>
-          <a:prstGeom prst="rect">
-            <a:avLst/>
-          </a:prstGeom>
-          <a:noFill/>
-          <a:effectLst>
-            <a:outerShdw blurRad="1270000" dist="50800" dir="5400000" sx="135000" sy="135000" algn="ctr" rotWithShape="0">
-              <a:schemeClr val="accent5">
-                <a:lumMod val="60000"/>
-                <a:lumOff val="40000"/>
-              </a:schemeClr>
-            </a:outerShdw>
-          </a:effectLst>
-          <a:extLst>
-            <a:ext uri="{909E8E84-426E-40DD-AFC4-6F175D3DCCD1}">
-              <a14:hiddenFill xmlns:a14="http://schemas.microsoft.com/office/drawing/2010/main">
-                <a:solidFill>
-                  <a:srgbClr val="FFFFFF"/>
-                </a:solidFill>
-              </a14:hiddenFill>
-            </a:ext>
-          </a:extLst>
-        </p:spPr>
-      </p:pic>
-      <p:sp>
-        <p:nvSpPr>
-          <p:cNvPr id="21" name="Овал 20">
-            <a:extLst>
-              <a:ext uri="{FF2B5EF4-FFF2-40B4-BE49-F238E27FC236}">
-                <a16:creationId xmlns:a16="http://schemas.microsoft.com/office/drawing/2014/main" id="{D679701C-08D1-4FD1-A1C3-C03405AC0AD2}"/>
-              </a:ext>
-            </a:extLst>
-          </p:cNvPr>
-          <p:cNvSpPr/>
-          <p:nvPr/>
-        </p:nvSpPr>
-        <p:spPr>
-          <a:xfrm>
-            <a:off x="281204" y="1868799"/>
-            <a:ext cx="3202974" cy="1349119"/>
-          </a:xfrm>
-          <a:prstGeom prst="ellipse">
-            <a:avLst/>
-          </a:prstGeom>
-          <a:noFill/>
-          <a:ln>
-            <a:solidFill>
-              <a:schemeClr val="bg1"/>
-            </a:solidFill>
-          </a:ln>
-          <a:effectLst>
-            <a:outerShdw blurRad="1270000" dist="50800" dir="5400000" sx="186000" sy="186000" algn="ctr" rotWithShape="0">
-              <a:schemeClr val="accent5">
-                <a:lumMod val="60000"/>
-                <a:lumOff val="40000"/>
-              </a:schemeClr>
-            </a:outerShdw>
-          </a:effectLst>
-        </p:spPr>
-        <p:style>
-          <a:lnRef idx="2">
-            <a:schemeClr val="accent4"/>
-          </a:lnRef>
-          <a:fillRef idx="1">
-            <a:schemeClr val="lt1"/>
-          </a:fillRef>
-          <a:effectRef idx="0">
-            <a:schemeClr val="accent4"/>
-          </a:effectRef>
-          <a:fontRef idx="minor">
-            <a:schemeClr val="dk1"/>
-          </a:fontRef>
-        </p:style>
-        <p:txBody>
-          <a:bodyPr rtlCol="0" anchor="ctr"/>
-          <a:lstStyle/>
-          <a:p>
-            <a:pPr algn="ctr"/>
-            <a:endParaRPr lang="ru-RU" dirty="0">
-              <a:highlight>
-                <a:srgbClr val="FFFF00"/>
-              </a:highlight>
-            </a:endParaRPr>
-          </a:p>
-        </p:txBody>
-      </p:sp>
-      <p:sp>
-        <p:nvSpPr>
-          <p:cNvPr id="40" name="Овал 39">
-            <a:extLst>
-              <a:ext uri="{FF2B5EF4-FFF2-40B4-BE49-F238E27FC236}">
-                <a16:creationId xmlns:a16="http://schemas.microsoft.com/office/drawing/2014/main" id="{3ACA9DFD-D58F-42E2-8503-3ED981272D02}"/>
-              </a:ext>
-            </a:extLst>
-          </p:cNvPr>
-          <p:cNvSpPr/>
-          <p:nvPr/>
-        </p:nvSpPr>
-        <p:spPr>
-          <a:xfrm>
-            <a:off x="4635115" y="1919138"/>
-            <a:ext cx="3202974" cy="1349119"/>
-          </a:xfrm>
-          <a:prstGeom prst="ellipse">
-            <a:avLst/>
-          </a:prstGeom>
-          <a:noFill/>
-          <a:ln>
-            <a:solidFill>
-              <a:schemeClr val="bg1"/>
-            </a:solidFill>
-          </a:ln>
-          <a:effectLst>
-            <a:outerShdw blurRad="596900" dist="50800" dir="5400000" sx="107000" sy="107000" algn="ctr" rotWithShape="0">
-              <a:schemeClr val="accent5">
-                <a:lumMod val="60000"/>
-                <a:lumOff val="40000"/>
-              </a:schemeClr>
-            </a:outerShdw>
-          </a:effectLst>
-        </p:spPr>
-        <p:style>
-          <a:lnRef idx="2">
-            <a:schemeClr val="accent4"/>
-          </a:lnRef>
-          <a:fillRef idx="1">
-            <a:schemeClr val="lt1"/>
-          </a:fillRef>
-          <a:effectRef idx="0">
-            <a:schemeClr val="accent4"/>
-          </a:effectRef>
-          <a:fontRef idx="minor">
-            <a:schemeClr val="dk1"/>
-          </a:fontRef>
-        </p:style>
-        <p:txBody>
-          <a:bodyPr rtlCol="0" anchor="ctr"/>
-          <a:lstStyle/>
-          <a:p>
-            <a:pPr algn="ctr"/>
-            <a:endParaRPr lang="ru-RU" dirty="0">
-              <a:highlight>
-                <a:srgbClr val="FFFF00"/>
-              </a:highlight>
-            </a:endParaRPr>
-          </a:p>
-        </p:txBody>
-      </p:sp>
-      <p:sp>
-        <p:nvSpPr>
-          <p:cNvPr id="41" name="Овал 40">
-            <a:extLst>
-              <a:ext uri="{FF2B5EF4-FFF2-40B4-BE49-F238E27FC236}">
-                <a16:creationId xmlns:a16="http://schemas.microsoft.com/office/drawing/2014/main" id="{1B1B6449-F3F7-465F-89D5-A0B25EAE8033}"/>
-              </a:ext>
-            </a:extLst>
-          </p:cNvPr>
-          <p:cNvSpPr/>
-          <p:nvPr/>
-        </p:nvSpPr>
-        <p:spPr>
-          <a:xfrm>
-            <a:off x="8989026" y="1919139"/>
-            <a:ext cx="3202974" cy="1349119"/>
-          </a:xfrm>
-          <a:prstGeom prst="ellipse">
-            <a:avLst/>
-          </a:prstGeom>
-          <a:noFill/>
-          <a:ln>
-            <a:solidFill>
-              <a:schemeClr val="bg1"/>
-            </a:solidFill>
-          </a:ln>
-          <a:effectLst>
-            <a:outerShdw blurRad="596900" dist="50800" dir="5400000" sx="107000" sy="107000" algn="ctr" rotWithShape="0">
-              <a:schemeClr val="accent5">
-                <a:lumMod val="60000"/>
-                <a:lumOff val="40000"/>
-              </a:schemeClr>
-            </a:outerShdw>
-          </a:effectLst>
-        </p:spPr>
-        <p:style>
-          <a:lnRef idx="2">
-            <a:schemeClr val="accent4"/>
-          </a:lnRef>
-          <a:fillRef idx="1">
-            <a:schemeClr val="lt1"/>
-          </a:fillRef>
-          <a:effectRef idx="0">
-            <a:schemeClr val="accent4"/>
-          </a:effectRef>
-          <a:fontRef idx="minor">
-            <a:schemeClr val="dk1"/>
-          </a:fontRef>
-        </p:style>
-        <p:txBody>
-          <a:bodyPr rtlCol="0" anchor="ctr"/>
-          <a:lstStyle/>
-          <a:p>
-            <a:pPr algn="ctr"/>
-            <a:endParaRPr lang="ru-RU" dirty="0">
-              <a:highlight>
-                <a:srgbClr val="FFFF00"/>
-              </a:highlight>
-            </a:endParaRPr>
-          </a:p>
-        </p:txBody>
-      </p:sp>
-      <p:sp>
-        <p:nvSpPr>
-          <p:cNvPr id="44" name="Овал 43">
-            <a:extLst>
-              <a:ext uri="{FF2B5EF4-FFF2-40B4-BE49-F238E27FC236}">
-                <a16:creationId xmlns:a16="http://schemas.microsoft.com/office/drawing/2014/main" id="{DFC8E2C8-BC4F-4AF3-8D2D-F3CF1E2ED04C}"/>
-              </a:ext>
-            </a:extLst>
-          </p:cNvPr>
-          <p:cNvSpPr/>
-          <p:nvPr/>
-        </p:nvSpPr>
-        <p:spPr>
-          <a:xfrm>
-            <a:off x="281204" y="4440136"/>
-            <a:ext cx="3235086" cy="1362645"/>
-          </a:xfrm>
-          <a:prstGeom prst="ellipse">
-            <a:avLst/>
-          </a:prstGeom>
-          <a:noFill/>
-          <a:ln>
-            <a:solidFill>
-              <a:schemeClr val="bg1"/>
-            </a:solidFill>
-          </a:ln>
-          <a:effectLst>
-            <a:outerShdw blurRad="1270000" dist="50800" dir="5400000" sx="135000" sy="135000" algn="ctr" rotWithShape="0">
-              <a:schemeClr val="accent5">
-                <a:lumMod val="60000"/>
-                <a:lumOff val="40000"/>
-              </a:schemeClr>
-            </a:outerShdw>
-          </a:effectLst>
-        </p:spPr>
-        <p:style>
-          <a:lnRef idx="2">
-            <a:schemeClr val="accent4"/>
-          </a:lnRef>
-          <a:fillRef idx="1">
-            <a:schemeClr val="lt1"/>
-          </a:fillRef>
-          <a:effectRef idx="0">
-            <a:schemeClr val="accent4"/>
-          </a:effectRef>
-          <a:fontRef idx="minor">
-            <a:schemeClr val="dk1"/>
-          </a:fontRef>
-        </p:style>
-        <p:txBody>
-          <a:bodyPr rtlCol="0" anchor="ctr"/>
-          <a:lstStyle/>
-          <a:p>
-            <a:pPr algn="ctr"/>
-            <a:endParaRPr lang="ru-RU" dirty="0">
-              <a:highlight>
-                <a:srgbClr val="FFFF00"/>
-              </a:highlight>
-            </a:endParaRPr>
-          </a:p>
-        </p:txBody>
-      </p:sp>
-      <p:sp>
-        <p:nvSpPr>
-          <p:cNvPr id="45" name="Овал 44">
-            <a:extLst>
-              <a:ext uri="{FF2B5EF4-FFF2-40B4-BE49-F238E27FC236}">
-                <a16:creationId xmlns:a16="http://schemas.microsoft.com/office/drawing/2014/main" id="{EC6329EE-AA27-4EDC-8E42-047441FF07E5}"/>
-              </a:ext>
-            </a:extLst>
-          </p:cNvPr>
-          <p:cNvSpPr/>
-          <p:nvPr/>
-        </p:nvSpPr>
-        <p:spPr>
-          <a:xfrm>
-            <a:off x="8882876" y="4620235"/>
-            <a:ext cx="3235086" cy="1362645"/>
-          </a:xfrm>
-          <a:prstGeom prst="ellipse">
-            <a:avLst/>
-          </a:prstGeom>
-          <a:noFill/>
-          <a:ln>
-            <a:solidFill>
-              <a:schemeClr val="bg1"/>
-            </a:solidFill>
-          </a:ln>
-          <a:effectLst>
-            <a:outerShdw blurRad="1270000" dist="50800" dir="5400000" sx="135000" sy="135000" algn="ctr" rotWithShape="0">
-              <a:schemeClr val="accent5">
-                <a:lumMod val="60000"/>
-                <a:lumOff val="40000"/>
-              </a:schemeClr>
-            </a:outerShdw>
-          </a:effectLst>
-        </p:spPr>
-        <p:style>
-          <a:lnRef idx="2">
-            <a:schemeClr val="accent4"/>
-          </a:lnRef>
-          <a:fillRef idx="1">
-            <a:schemeClr val="lt1"/>
-          </a:fillRef>
-          <a:effectRef idx="0">
-            <a:schemeClr val="accent4"/>
-          </a:effectRef>
-          <a:fontRef idx="minor">
-            <a:schemeClr val="dk1"/>
-          </a:fontRef>
-        </p:style>
-        <p:txBody>
-          <a:bodyPr rtlCol="0" anchor="ctr"/>
-          <a:lstStyle/>
-          <a:p>
-            <a:pPr algn="ctr"/>
-            <a:endParaRPr lang="ru-RU" dirty="0">
-              <a:highlight>
-                <a:srgbClr val="FFFF00"/>
-              </a:highlight>
-            </a:endParaRPr>
-          </a:p>
-        </p:txBody>
-      </p:sp>
-      <p:sp>
-        <p:nvSpPr>
-          <p:cNvPr id="46" name="Овал 45">
-            <a:extLst>
-              <a:ext uri="{FF2B5EF4-FFF2-40B4-BE49-F238E27FC236}">
-                <a16:creationId xmlns:a16="http://schemas.microsoft.com/office/drawing/2014/main" id="{F8B002A9-09C6-461A-8F87-D153F63B420E}"/>
-              </a:ext>
-            </a:extLst>
-          </p:cNvPr>
-          <p:cNvSpPr/>
-          <p:nvPr/>
-        </p:nvSpPr>
-        <p:spPr>
-          <a:xfrm>
-            <a:off x="4744205" y="4595260"/>
-            <a:ext cx="3235086" cy="1362645"/>
-          </a:xfrm>
-          <a:prstGeom prst="ellipse">
-            <a:avLst/>
-          </a:prstGeom>
-          <a:noFill/>
-          <a:ln>
-            <a:solidFill>
-              <a:schemeClr val="bg1"/>
-            </a:solidFill>
-          </a:ln>
-          <a:effectLst>
-            <a:outerShdw blurRad="1270000" dist="50800" dir="5400000" sx="135000" sy="135000" algn="ctr" rotWithShape="0">
-              <a:schemeClr val="accent5">
-                <a:lumMod val="60000"/>
-                <a:lumOff val="40000"/>
-              </a:schemeClr>
-            </a:outerShdw>
-          </a:effectLst>
-        </p:spPr>
-        <p:style>
-          <a:lnRef idx="2">
-            <a:schemeClr val="accent4"/>
-          </a:lnRef>
-          <a:fillRef idx="1">
-            <a:schemeClr val="lt1"/>
-          </a:fillRef>
-          <a:effectRef idx="0">
-            <a:schemeClr val="accent4"/>
-          </a:effectRef>
-          <a:fontRef idx="minor">
-            <a:schemeClr val="dk1"/>
-          </a:fontRef>
-        </p:style>
-        <p:txBody>
-          <a:bodyPr rtlCol="0" anchor="ctr"/>
-          <a:lstStyle/>
-          <a:p>
-            <a:pPr algn="ctr"/>
-            <a:endParaRPr lang="ru-RU" dirty="0">
-              <a:highlight>
-                <a:srgbClr val="FFFF00"/>
-              </a:highlight>
-            </a:endParaRPr>
-          </a:p>
-        </p:txBody>
-      </p:sp>
     </p:spTree>
     <p:extLst>
       <p:ext uri="{BB962C8B-B14F-4D97-AF65-F5344CB8AC3E}">
@@ -6536,295 +6172,6 @@
           </a:p>
         </p:txBody>
       </p:sp>
-      <p:grpSp>
-        <p:nvGrpSpPr>
-          <p:cNvPr id="32" name="Группа 31">
-            <a:extLst>
-              <a:ext uri="{FF2B5EF4-FFF2-40B4-BE49-F238E27FC236}">
-                <a16:creationId xmlns:a16="http://schemas.microsoft.com/office/drawing/2014/main" id="{887EE5F8-5CE6-4220-B43C-3BEDE9AF710A}"/>
-              </a:ext>
-            </a:extLst>
-          </p:cNvPr>
-          <p:cNvGrpSpPr/>
-          <p:nvPr/>
-        </p:nvGrpSpPr>
-        <p:grpSpPr>
-          <a:xfrm>
-            <a:off x="-803312" y="2400648"/>
-            <a:ext cx="12672130" cy="3339751"/>
-            <a:chOff x="-420962" y="2569320"/>
-            <a:chExt cx="8370515" cy="2206057"/>
-          </a:xfrm>
-        </p:grpSpPr>
-        <p:sp>
-          <p:nvSpPr>
-            <p:cNvPr id="26" name="Прямоугольник: скругленные углы 25">
-              <a:extLst>
-                <a:ext uri="{FF2B5EF4-FFF2-40B4-BE49-F238E27FC236}">
-                  <a16:creationId xmlns:a16="http://schemas.microsoft.com/office/drawing/2014/main" id="{27F6CD6A-800C-4F03-9073-12A9CA5CC357}"/>
-                </a:ext>
-              </a:extLst>
-            </p:cNvPr>
-            <p:cNvSpPr/>
-            <p:nvPr/>
-          </p:nvSpPr>
-          <p:spPr>
-            <a:xfrm>
-              <a:off x="406390" y="2569320"/>
-              <a:ext cx="4055074" cy="2206057"/>
-            </a:xfrm>
-            <a:prstGeom prst="roundRect">
-              <a:avLst/>
-            </a:prstGeom>
-            <a:solidFill>
-              <a:srgbClr val="9575CD"/>
-            </a:solidFill>
-            <a:ln>
-              <a:solidFill>
-                <a:schemeClr val="bg1"/>
-              </a:solidFill>
-            </a:ln>
-            <a:effectLst/>
-          </p:spPr>
-          <p:style>
-            <a:lnRef idx="2">
-              <a:schemeClr val="accent1">
-                <a:shade val="50000"/>
-              </a:schemeClr>
-            </a:lnRef>
-            <a:fillRef idx="1">
-              <a:schemeClr val="accent1"/>
-            </a:fillRef>
-            <a:effectRef idx="0">
-              <a:schemeClr val="accent1"/>
-            </a:effectRef>
-            <a:fontRef idx="minor">
-              <a:schemeClr val="lt1"/>
-            </a:fontRef>
-          </p:style>
-          <p:txBody>
-            <a:bodyPr rtlCol="0" anchor="ctr"/>
-            <a:lstStyle/>
-            <a:p>
-              <a:pPr algn="ctr"/>
-              <a:endParaRPr lang="ru-RU" dirty="0"/>
-            </a:p>
-          </p:txBody>
-        </p:sp>
-        <p:sp>
-          <p:nvSpPr>
-            <p:cNvPr id="28" name="Прямоугольник: скругленные углы 27">
-              <a:extLst>
-                <a:ext uri="{FF2B5EF4-FFF2-40B4-BE49-F238E27FC236}">
-                  <a16:creationId xmlns:a16="http://schemas.microsoft.com/office/drawing/2014/main" id="{BB859163-91AA-448C-B89B-CFC6F193B60B}"/>
-                </a:ext>
-              </a:extLst>
-            </p:cNvPr>
-            <p:cNvSpPr/>
-            <p:nvPr/>
-          </p:nvSpPr>
-          <p:spPr>
-            <a:xfrm>
-              <a:off x="5599580" y="3340276"/>
-              <a:ext cx="2349973" cy="1278441"/>
-            </a:xfrm>
-            <a:prstGeom prst="roundRect">
-              <a:avLst/>
-            </a:prstGeom>
-            <a:solidFill>
-              <a:srgbClr val="9575CD"/>
-            </a:solidFill>
-            <a:ln>
-              <a:solidFill>
-                <a:schemeClr val="bg1"/>
-              </a:solidFill>
-            </a:ln>
-            <a:effectLst/>
-          </p:spPr>
-          <p:style>
-            <a:lnRef idx="2">
-              <a:schemeClr val="accent1">
-                <a:shade val="50000"/>
-              </a:schemeClr>
-            </a:lnRef>
-            <a:fillRef idx="1">
-              <a:schemeClr val="accent1"/>
-            </a:fillRef>
-            <a:effectRef idx="0">
-              <a:schemeClr val="accent1"/>
-            </a:effectRef>
-            <a:fontRef idx="minor">
-              <a:schemeClr val="lt1"/>
-            </a:fontRef>
-          </p:style>
-          <p:txBody>
-            <a:bodyPr rtlCol="0" anchor="ctr"/>
-            <a:lstStyle/>
-            <a:p>
-              <a:pPr algn="ctr"/>
-              <a:r>
-                <a:rPr lang="ru-RU" sz="4000" dirty="0"/>
-                <a:t>КЛИЕНТ</a:t>
-              </a:r>
-            </a:p>
-          </p:txBody>
-        </p:sp>
-        <p:sp>
-          <p:nvSpPr>
-            <p:cNvPr id="3" name="TextBox 2">
-              <a:extLst>
-                <a:ext uri="{FF2B5EF4-FFF2-40B4-BE49-F238E27FC236}">
-                  <a16:creationId xmlns:a16="http://schemas.microsoft.com/office/drawing/2014/main" id="{D74C8681-D558-4681-8DC7-21A78F3D9920}"/>
-                </a:ext>
-              </a:extLst>
-            </p:cNvPr>
-            <p:cNvSpPr txBox="1"/>
-            <p:nvPr/>
-          </p:nvSpPr>
-          <p:spPr>
-            <a:xfrm>
-              <a:off x="-420962" y="2586686"/>
-              <a:ext cx="5830037" cy="467591"/>
-            </a:xfrm>
-            <a:prstGeom prst="rect">
-              <a:avLst/>
-            </a:prstGeom>
-            <a:noFill/>
-          </p:spPr>
-          <p:txBody>
-            <a:bodyPr wrap="square" rtlCol="0">
-              <a:spAutoFit/>
-            </a:bodyPr>
-            <a:lstStyle/>
-            <a:p>
-              <a:pPr algn="ctr"/>
-              <a:r>
-                <a:rPr lang="ru-RU" sz="4000" dirty="0">
-                  <a:solidFill>
-                    <a:schemeClr val="bg1"/>
-                  </a:solidFill>
-                </a:rPr>
-                <a:t>СЕРВЕР ВИРТУАЛИЗАЦИИ</a:t>
-              </a:r>
-            </a:p>
-          </p:txBody>
-        </p:sp>
-        <p:sp>
-          <p:nvSpPr>
-            <p:cNvPr id="29" name="Прямоугольник: скругленные углы 28">
-              <a:extLst>
-                <a:ext uri="{FF2B5EF4-FFF2-40B4-BE49-F238E27FC236}">
-                  <a16:creationId xmlns:a16="http://schemas.microsoft.com/office/drawing/2014/main" id="{53B8246F-D947-419B-986C-EE726552352A}"/>
-                </a:ext>
-              </a:extLst>
-            </p:cNvPr>
-            <p:cNvSpPr/>
-            <p:nvPr/>
-          </p:nvSpPr>
-          <p:spPr>
-            <a:xfrm>
-              <a:off x="646280" y="3342844"/>
-              <a:ext cx="3684938" cy="1278441"/>
-            </a:xfrm>
-            <a:prstGeom prst="roundRect">
-              <a:avLst/>
-            </a:prstGeom>
-            <a:solidFill>
-              <a:srgbClr val="9575CD"/>
-            </a:solidFill>
-            <a:ln>
-              <a:solidFill>
-                <a:schemeClr val="bg1"/>
-              </a:solidFill>
-            </a:ln>
-            <a:effectLst/>
-          </p:spPr>
-          <p:style>
-            <a:lnRef idx="2">
-              <a:schemeClr val="accent1">
-                <a:shade val="50000"/>
-              </a:schemeClr>
-            </a:lnRef>
-            <a:fillRef idx="1">
-              <a:schemeClr val="accent1"/>
-            </a:fillRef>
-            <a:effectRef idx="0">
-              <a:schemeClr val="accent1"/>
-            </a:effectRef>
-            <a:fontRef idx="minor">
-              <a:schemeClr val="lt1"/>
-            </a:fontRef>
-          </p:style>
-          <p:txBody>
-            <a:bodyPr rtlCol="0" anchor="ctr"/>
-            <a:lstStyle/>
-            <a:p>
-              <a:pPr algn="ctr"/>
-              <a:r>
-                <a:rPr lang="ru-RU" sz="2400" dirty="0"/>
-                <a:t>Виртуальный выделенный сервер</a:t>
-              </a:r>
-              <a:br>
-                <a:rPr lang="en-US" sz="4000" dirty="0"/>
-              </a:br>
-              <a:r>
-                <a:rPr lang="ru-RU" sz="4000" dirty="0"/>
-                <a:t>Сервер СУБД </a:t>
-              </a:r>
-              <a:r>
-                <a:rPr lang="en-US" sz="4000" dirty="0"/>
-                <a:t>MySQL</a:t>
-              </a:r>
-              <a:endParaRPr lang="ru-RU" sz="4000" dirty="0"/>
-            </a:p>
-          </p:txBody>
-        </p:sp>
-        <p:cxnSp>
-          <p:nvCxnSpPr>
-            <p:cNvPr id="6" name="Прямая соединительная линия 5">
-              <a:extLst>
-                <a:ext uri="{FF2B5EF4-FFF2-40B4-BE49-F238E27FC236}">
-                  <a16:creationId xmlns:a16="http://schemas.microsoft.com/office/drawing/2014/main" id="{F2BA3EF0-A57A-4EF5-9069-442131D1F47E}"/>
-                </a:ext>
-              </a:extLst>
-            </p:cNvPr>
-            <p:cNvCxnSpPr>
-              <a:cxnSpLocks/>
-              <a:stCxn id="28" idx="1"/>
-              <a:endCxn id="29" idx="3"/>
-            </p:cNvCxnSpPr>
-            <p:nvPr/>
-          </p:nvCxnSpPr>
-          <p:spPr>
-            <a:xfrm flipH="1">
-              <a:off x="4331218" y="3979497"/>
-              <a:ext cx="1268362" cy="2568"/>
-            </a:xfrm>
-            <a:prstGeom prst="line">
-              <a:avLst/>
-            </a:prstGeom>
-            <a:ln>
-              <a:solidFill>
-                <a:schemeClr val="bg1"/>
-              </a:solidFill>
-            </a:ln>
-          </p:spPr>
-          <p:style>
-            <a:lnRef idx="1">
-              <a:schemeClr val="accent1"/>
-            </a:lnRef>
-            <a:fillRef idx="0">
-              <a:schemeClr val="accent1"/>
-            </a:fillRef>
-            <a:effectRef idx="0">
-              <a:schemeClr val="accent1"/>
-            </a:effectRef>
-            <a:fontRef idx="minor">
-              <a:schemeClr val="tx1"/>
-            </a:fontRef>
-          </p:style>
-        </p:cxnSp>
-      </p:grpSp>
       <p:sp>
         <p:nvSpPr>
           <p:cNvPr id="39" name="TextBox 38">
@@ -6883,279 +6230,35 @@
           </a:p>
         </p:txBody>
       </p:sp>
-      <p:sp>
-        <p:nvSpPr>
-          <p:cNvPr id="5" name="TextBox 4">
-            <a:extLst>
-              <a:ext uri="{FF2B5EF4-FFF2-40B4-BE49-F238E27FC236}">
-                <a16:creationId xmlns:a16="http://schemas.microsoft.com/office/drawing/2014/main" id="{F79AA4B6-267C-45C8-9874-6227779D8103}"/>
-              </a:ext>
-            </a:extLst>
-          </p:cNvPr>
-          <p:cNvSpPr txBox="1"/>
+      <p:pic>
+        <p:nvPicPr>
+          <p:cNvPr id="8" name="Рисунок 7">
+            <a:extLst>
+              <a:ext uri="{FF2B5EF4-FFF2-40B4-BE49-F238E27FC236}">
+                <a16:creationId xmlns:a16="http://schemas.microsoft.com/office/drawing/2014/main" id="{C4426351-A63B-4CD1-8515-DF0C0D9A1878}"/>
+              </a:ext>
+            </a:extLst>
+          </p:cNvPr>
+          <p:cNvPicPr>
+            <a:picLocks noChangeAspect="1"/>
+          </p:cNvPicPr>
           <p:nvPr/>
-        </p:nvSpPr>
+        </p:nvPicPr>
+        <p:blipFill rotWithShape="1">
+          <a:blip r:embed="rId3"/>
+          <a:srcRect t="2897" b="2589"/>
+          <a:stretch/>
+        </p:blipFill>
         <p:spPr>
           <a:xfrm>
-            <a:off x="6610851" y="4161359"/>
-            <a:ext cx="1583033" cy="369332"/>
+            <a:off x="406392" y="2108200"/>
+            <a:ext cx="11072970" cy="3708400"/>
           </a:xfrm>
           <a:prstGeom prst="rect">
             <a:avLst/>
           </a:prstGeom>
-          <a:noFill/>
-        </p:spPr>
-        <p:txBody>
-          <a:bodyPr wrap="square" rtlCol="0">
-            <a:spAutoFit/>
-          </a:bodyPr>
-          <a:lstStyle/>
-          <a:p>
-            <a:r>
-              <a:rPr lang="ru-RU" dirty="0">
-                <a:solidFill>
-                  <a:schemeClr val="bg1"/>
-                </a:solidFill>
-                <a:latin typeface="Verdana" panose="020B0604030504040204" pitchFamily="34" charset="0"/>
-                <a:ea typeface="Verdana" panose="020B0604030504040204" pitchFamily="34" charset="0"/>
-              </a:rPr>
-              <a:t>63307</a:t>
-            </a:r>
-            <a:r>
-              <a:rPr lang="en-US" dirty="0">
-                <a:solidFill>
-                  <a:schemeClr val="bg1"/>
-                </a:solidFill>
-                <a:latin typeface="Verdana" panose="020B0604030504040204" pitchFamily="34" charset="0"/>
-                <a:ea typeface="Verdana" panose="020B0604030504040204" pitchFamily="34" charset="0"/>
-              </a:rPr>
-              <a:t>/</a:t>
-            </a:r>
-            <a:r>
-              <a:rPr lang="en-US" dirty="0" err="1">
-                <a:solidFill>
-                  <a:schemeClr val="bg1"/>
-                </a:solidFill>
-                <a:latin typeface="Verdana" panose="020B0604030504040204" pitchFamily="34" charset="0"/>
-                <a:ea typeface="Verdana" panose="020B0604030504040204" pitchFamily="34" charset="0"/>
-              </a:rPr>
-              <a:t>tcp</a:t>
-            </a:r>
-            <a:endParaRPr lang="ru-RU" dirty="0">
-              <a:solidFill>
-                <a:schemeClr val="bg1"/>
-              </a:solidFill>
-              <a:latin typeface="Verdana" panose="020B0604030504040204" pitchFamily="34" charset="0"/>
-              <a:ea typeface="Verdana" panose="020B0604030504040204" pitchFamily="34" charset="0"/>
-            </a:endParaRPr>
-          </a:p>
-        </p:txBody>
-      </p:sp>
-      <p:sp>
-        <p:nvSpPr>
-          <p:cNvPr id="14" name="TextBox 13">
-            <a:extLst>
-              <a:ext uri="{FF2B5EF4-FFF2-40B4-BE49-F238E27FC236}">
-                <a16:creationId xmlns:a16="http://schemas.microsoft.com/office/drawing/2014/main" id="{05391C4B-0CAA-4AEC-AA3D-03FE19959F59}"/>
-              </a:ext>
-            </a:extLst>
-          </p:cNvPr>
-          <p:cNvSpPr txBox="1"/>
-          <p:nvPr/>
-        </p:nvSpPr>
-        <p:spPr>
-          <a:xfrm>
-            <a:off x="-559022" y="3063316"/>
-            <a:ext cx="8155457" cy="461665"/>
-          </a:xfrm>
-          <a:prstGeom prst="rect">
-            <a:avLst/>
-          </a:prstGeom>
-          <a:noFill/>
-        </p:spPr>
-        <p:txBody>
-          <a:bodyPr wrap="square" rtlCol="0">
-            <a:spAutoFit/>
-          </a:bodyPr>
-          <a:lstStyle/>
-          <a:p>
-            <a:pPr algn="ctr"/>
-            <a:r>
-              <a:rPr lang="en-US" sz="2400" dirty="0" err="1">
-                <a:solidFill>
-                  <a:schemeClr val="bg1"/>
-                </a:solidFill>
-              </a:rPr>
-              <a:t>Proxmox</a:t>
-            </a:r>
-            <a:r>
-              <a:rPr lang="en-US" sz="2400" dirty="0">
-                <a:solidFill>
-                  <a:schemeClr val="bg1"/>
-                </a:solidFill>
-              </a:rPr>
-              <a:t> Virtual </a:t>
-            </a:r>
-            <a:r>
-              <a:rPr lang="en-US" sz="2400" dirty="0" err="1">
-                <a:solidFill>
-                  <a:schemeClr val="bg1"/>
-                </a:solidFill>
-              </a:rPr>
-              <a:t>Enviroment</a:t>
-            </a:r>
-            <a:endParaRPr lang="ru-RU" sz="2400" dirty="0">
-              <a:solidFill>
-                <a:schemeClr val="bg1"/>
-              </a:solidFill>
-            </a:endParaRPr>
-          </a:p>
-        </p:txBody>
-      </p:sp>
-      <p:sp>
-        <p:nvSpPr>
-          <p:cNvPr id="9" name="TextBox 8">
-            <a:extLst>
-              <a:ext uri="{FF2B5EF4-FFF2-40B4-BE49-F238E27FC236}">
-                <a16:creationId xmlns:a16="http://schemas.microsoft.com/office/drawing/2014/main" id="{B1BCBF1B-53EF-450C-B5CA-0A8A55068352}"/>
-              </a:ext>
-            </a:extLst>
-          </p:cNvPr>
-          <p:cNvSpPr txBox="1"/>
-          <p:nvPr/>
-        </p:nvSpPr>
-        <p:spPr>
-          <a:xfrm>
-            <a:off x="-4702629" y="-1712686"/>
-            <a:ext cx="4143607" cy="6740307"/>
-          </a:xfrm>
-          <a:prstGeom prst="rect">
-            <a:avLst/>
-          </a:prstGeom>
-          <a:noFill/>
-        </p:spPr>
-        <p:txBody>
-          <a:bodyPr wrap="square" rtlCol="0">
-            <a:spAutoFit/>
-          </a:bodyPr>
-          <a:lstStyle/>
-          <a:p>
-            <a:r>
-              <a:rPr lang="ru-RU" dirty="0"/>
-              <a:t>Серверная часть реализована в виде СУБД </a:t>
-            </a:r>
-            <a:r>
-              <a:rPr lang="en-US" dirty="0" err="1"/>
-              <a:t>MySql</a:t>
-            </a:r>
-            <a:r>
-              <a:rPr lang="ru-RU" dirty="0"/>
-              <a:t>, развернутой на  виртуальном выделенном сервере в кластере (кластер несколько устройств в одном которые выполняют одну задачу) </a:t>
-            </a:r>
-            <a:r>
-              <a:rPr lang="en-US" dirty="0" err="1"/>
-              <a:t>Proxmox</a:t>
-            </a:r>
-            <a:r>
-              <a:rPr lang="en-US" dirty="0"/>
-              <a:t> (</a:t>
-            </a:r>
-            <a:r>
-              <a:rPr lang="ru-RU" dirty="0"/>
-              <a:t>система виртуализации с открытым исходным кодом распространяется по открытой лицензии </a:t>
-            </a:r>
-            <a:r>
-              <a:rPr lang="en-US" dirty="0"/>
-              <a:t>GNU AGPLv3</a:t>
-            </a:r>
-            <a:r>
-              <a:rPr lang="ru-RU" dirty="0"/>
-              <a:t> которая позволяет использовать ее в коммерческих целях без покупки лицензии</a:t>
-            </a:r>
-            <a:r>
-              <a:rPr lang="en-US" dirty="0"/>
-              <a:t>)</a:t>
-            </a:r>
-            <a:r>
-              <a:rPr lang="ru-RU" dirty="0"/>
-              <a:t>.</a:t>
-            </a:r>
-            <a:br>
-              <a:rPr lang="en-US" dirty="0"/>
-            </a:br>
-            <a:br>
-              <a:rPr lang="en-US" dirty="0"/>
-            </a:br>
-            <a:r>
-              <a:rPr lang="ru-RU" dirty="0"/>
-              <a:t>Бесплатно и открытый код</a:t>
-            </a:r>
-            <a:br>
-              <a:rPr lang="ru-RU" dirty="0"/>
-            </a:br>
-            <a:br>
-              <a:rPr lang="ru-RU" dirty="0"/>
-            </a:br>
-            <a:r>
-              <a:rPr lang="ru-RU" dirty="0"/>
-              <a:t>клиентское часть представляет собой десктопное приложение</a:t>
-            </a:r>
-            <a:r>
-              <a:rPr lang="en-US" dirty="0"/>
-              <a:t> </a:t>
-            </a:r>
-            <a:r>
-              <a:rPr lang="ru-RU" dirty="0"/>
-              <a:t>на </a:t>
-            </a:r>
-            <a:r>
-              <a:rPr lang="en-US" dirty="0" err="1"/>
-              <a:t>wpf</a:t>
-            </a:r>
-            <a:r>
-              <a:rPr lang="en-US" dirty="0"/>
-              <a:t> </a:t>
-            </a:r>
-            <a:r>
-              <a:rPr lang="en-US" dirty="0" err="1"/>
-              <a:t>c#</a:t>
-            </a:r>
-            <a:br>
-              <a:rPr lang="ru-RU" dirty="0"/>
-            </a:br>
-            <a:br>
-              <a:rPr lang="ru-RU" dirty="0"/>
-            </a:br>
-            <a:r>
-              <a:rPr lang="ru-RU" dirty="0"/>
-              <a:t>серверная часть представлена СУБД </a:t>
-            </a:r>
-            <a:r>
-              <a:rPr lang="en-US" dirty="0"/>
-              <a:t>MySQL </a:t>
-            </a:r>
-            <a:r>
-              <a:rPr lang="ru-RU" dirty="0"/>
-              <a:t>которая развернута на виртуальной машине внутри системы виртуализации </a:t>
-            </a:r>
-            <a:r>
-              <a:rPr lang="en-US" dirty="0" err="1"/>
-              <a:t>Proxmox</a:t>
-            </a:r>
-            <a:br>
-              <a:rPr lang="en-US" dirty="0"/>
-            </a:br>
-            <a:endParaRPr lang="en-US" dirty="0"/>
-          </a:p>
-          <a:p>
-            <a:r>
-              <a:rPr lang="en-US" dirty="0"/>
-              <a:t>Oracle </a:t>
-            </a:r>
-            <a:endParaRPr lang="ru-RU" dirty="0"/>
-          </a:p>
-        </p:txBody>
-      </p:sp>
+        </p:spPr>
+      </p:pic>
     </p:spTree>
     <p:extLst>
       <p:ext uri="{BB962C8B-B14F-4D97-AF65-F5344CB8AC3E}">
